--- a/CDSAWEBAPI.pptx
+++ b/CDSAWEBAPI.pptx
@@ -5,44 +5,46 @@
     <p:sldMasterId id="2147483648" r:id="rId5"/>
   </p:sldMasterIdLst>
   <p:notesMasterIdLst>
-    <p:notesMasterId r:id="rId38"/>
+    <p:notesMasterId r:id="rId40"/>
   </p:notesMasterIdLst>
   <p:handoutMasterIdLst>
-    <p:handoutMasterId r:id="rId39"/>
+    <p:handoutMasterId r:id="rId41"/>
   </p:handoutMasterIdLst>
   <p:sldIdLst>
     <p:sldId id="279" r:id="rId6"/>
-    <p:sldId id="280" r:id="rId7"/>
-    <p:sldId id="281" r:id="rId8"/>
-    <p:sldId id="282" r:id="rId9"/>
-    <p:sldId id="318" r:id="rId10"/>
-    <p:sldId id="284" r:id="rId11"/>
-    <p:sldId id="285" r:id="rId12"/>
-    <p:sldId id="286" r:id="rId13"/>
-    <p:sldId id="287" r:id="rId14"/>
-    <p:sldId id="288" r:id="rId15"/>
-    <p:sldId id="289" r:id="rId16"/>
-    <p:sldId id="290" r:id="rId17"/>
-    <p:sldId id="292" r:id="rId18"/>
-    <p:sldId id="293" r:id="rId19"/>
-    <p:sldId id="294" r:id="rId20"/>
-    <p:sldId id="295" r:id="rId21"/>
-    <p:sldId id="296" r:id="rId22"/>
-    <p:sldId id="297" r:id="rId23"/>
-    <p:sldId id="298" r:id="rId24"/>
-    <p:sldId id="301" r:id="rId25"/>
-    <p:sldId id="302" r:id="rId26"/>
-    <p:sldId id="319" r:id="rId27"/>
-    <p:sldId id="307" r:id="rId28"/>
-    <p:sldId id="309" r:id="rId29"/>
-    <p:sldId id="310" r:id="rId30"/>
-    <p:sldId id="322" r:id="rId31"/>
-    <p:sldId id="320" r:id="rId32"/>
-    <p:sldId id="303" r:id="rId33"/>
-    <p:sldId id="304" r:id="rId34"/>
-    <p:sldId id="305" r:id="rId35"/>
-    <p:sldId id="323" r:id="rId36"/>
-    <p:sldId id="321" r:id="rId37"/>
+    <p:sldId id="324" r:id="rId7"/>
+    <p:sldId id="372" r:id="rId8"/>
+    <p:sldId id="280" r:id="rId9"/>
+    <p:sldId id="281" r:id="rId10"/>
+    <p:sldId id="282" r:id="rId11"/>
+    <p:sldId id="318" r:id="rId12"/>
+    <p:sldId id="284" r:id="rId13"/>
+    <p:sldId id="285" r:id="rId14"/>
+    <p:sldId id="286" r:id="rId15"/>
+    <p:sldId id="287" r:id="rId16"/>
+    <p:sldId id="288" r:id="rId17"/>
+    <p:sldId id="289" r:id="rId18"/>
+    <p:sldId id="290" r:id="rId19"/>
+    <p:sldId id="292" r:id="rId20"/>
+    <p:sldId id="293" r:id="rId21"/>
+    <p:sldId id="294" r:id="rId22"/>
+    <p:sldId id="295" r:id="rId23"/>
+    <p:sldId id="296" r:id="rId24"/>
+    <p:sldId id="297" r:id="rId25"/>
+    <p:sldId id="298" r:id="rId26"/>
+    <p:sldId id="301" r:id="rId27"/>
+    <p:sldId id="302" r:id="rId28"/>
+    <p:sldId id="319" r:id="rId29"/>
+    <p:sldId id="307" r:id="rId30"/>
+    <p:sldId id="309" r:id="rId31"/>
+    <p:sldId id="310" r:id="rId32"/>
+    <p:sldId id="322" r:id="rId33"/>
+    <p:sldId id="320" r:id="rId34"/>
+    <p:sldId id="303" r:id="rId35"/>
+    <p:sldId id="304" r:id="rId36"/>
+    <p:sldId id="305" r:id="rId37"/>
+    <p:sldId id="323" r:id="rId38"/>
+    <p:sldId id="321" r:id="rId39"/>
   </p:sldIdLst>
   <p:sldSz cx="9144000" cy="6858000" type="screen4x3"/>
   <p:notesSz cx="7315200" cy="9601200"/>
@@ -2620,6 +2622,373 @@
       </p:grpSpPr>
       <p:sp>
         <p:nvSpPr>
+          <p:cNvPr id="29698" name="Title 1"/>
+          <p:cNvSpPr>
+            <a:spLocks noGrp="1"/>
+          </p:cNvSpPr>
+          <p:nvPr>
+            <p:ph type="title"/>
+          </p:nvPr>
+        </p:nvSpPr>
+        <p:spPr/>
+        <p:txBody>
+          <a:bodyPr/>
+          <a:lstStyle/>
+          <a:p>
+            <a:r>
+              <a:rPr lang="en-US" altLang="en-US"/>
+              <a:t>Authentication Flows</a:t>
+            </a:r>
+          </a:p>
+        </p:txBody>
+      </p:sp>
+      <p:sp>
+        <p:nvSpPr>
+          <p:cNvPr id="3" name="Content Placeholder 2"/>
+          <p:cNvSpPr>
+            <a:spLocks noGrp="1"/>
+          </p:cNvSpPr>
+          <p:nvPr>
+            <p:ph idx="1"/>
+          </p:nvPr>
+        </p:nvSpPr>
+        <p:spPr/>
+        <p:txBody>
+          <a:bodyPr>
+            <a:noAutofit/>
+          </a:bodyPr>
+          <a:lstStyle/>
+          <a:p>
+            <a:pPr>
+              <a:defRPr/>
+            </a:pPr>
+            <a:r>
+              <a:rPr lang="en-US" sz="2000" dirty="0"/>
+              <a:t>Authorization Code Grant Flow</a:t>
+            </a:r>
+            <a:r>
+              <a:rPr lang="en-US" sz="1600" dirty="0"/>
+              <a:t> </a:t>
+            </a:r>
+            <a:r>
+              <a:rPr lang="en-US" sz="1600" i="1" dirty="0">
+                <a:solidFill>
+                  <a:srgbClr val="C00000"/>
+                </a:solidFill>
+              </a:rPr>
+              <a:t>(confidential client)</a:t>
+            </a:r>
+            <a:endParaRPr lang="en-US" sz="1600" dirty="0"/>
+          </a:p>
+          <a:p>
+            <a:pPr lvl="1">
+              <a:defRPr/>
+            </a:pPr>
+            <a:r>
+              <a:rPr lang="en-US" sz="1800" dirty="0"/>
+              <a:t>Client first obtains authorization code then access token</a:t>
+            </a:r>
+          </a:p>
+          <a:p>
+            <a:pPr lvl="1">
+              <a:defRPr/>
+            </a:pPr>
+            <a:r>
+              <a:rPr lang="en-US" sz="1800" dirty="0"/>
+              <a:t>Server-side application code never sees user’s password</a:t>
+            </a:r>
+            <a:br>
+              <a:rPr lang="en-US" sz="1800" dirty="0"/>
+            </a:br>
+            <a:endParaRPr lang="en-US" sz="500" dirty="0"/>
+          </a:p>
+          <a:p>
+            <a:pPr>
+              <a:defRPr/>
+            </a:pPr>
+            <a:r>
+              <a:rPr lang="en-US" sz="2000" dirty="0"/>
+              <a:t>Implicit Grant Flow</a:t>
+            </a:r>
+            <a:r>
+              <a:rPr lang="en-US" sz="1600" dirty="0"/>
+              <a:t> </a:t>
+            </a:r>
+            <a:r>
+              <a:rPr lang="en-US" sz="1600" i="1" dirty="0">
+                <a:solidFill>
+                  <a:srgbClr val="C00000"/>
+                </a:solidFill>
+              </a:rPr>
+              <a:t>(public client)</a:t>
+            </a:r>
+            <a:endParaRPr lang="en-US" sz="1600" dirty="0"/>
+          </a:p>
+          <a:p>
+            <a:pPr lvl="1">
+              <a:defRPr/>
+            </a:pPr>
+            <a:r>
+              <a:rPr lang="en-US" sz="1800" dirty="0"/>
+              <a:t>Used in SPAs built with JavaScript and AngularJS</a:t>
+            </a:r>
+          </a:p>
+          <a:p>
+            <a:pPr lvl="1">
+              <a:defRPr/>
+            </a:pPr>
+            <a:r>
+              <a:rPr lang="en-US" sz="1800" dirty="0"/>
+              <a:t>Application obtains access token w/o acquiring authorization code</a:t>
+            </a:r>
+            <a:br>
+              <a:rPr lang="en-US" sz="1800" dirty="0"/>
+            </a:br>
+            <a:endParaRPr lang="en-US" sz="500" dirty="0"/>
+          </a:p>
+          <a:p>
+            <a:pPr>
+              <a:defRPr/>
+            </a:pPr>
+            <a:r>
+              <a:rPr lang="en-US" sz="2000" dirty="0"/>
+              <a:t>User Credentials Flow</a:t>
+            </a:r>
+            <a:r>
+              <a:rPr lang="en-US" sz="1400" dirty="0"/>
+              <a:t> </a:t>
+            </a:r>
+            <a:r>
+              <a:rPr lang="en-US" sz="1400" i="1" dirty="0">
+                <a:solidFill>
+                  <a:srgbClr val="C00000"/>
+                </a:solidFill>
+              </a:rPr>
+              <a:t>(public client)</a:t>
+            </a:r>
+          </a:p>
+          <a:p>
+            <a:pPr lvl="1">
+              <a:defRPr/>
+            </a:pPr>
+            <a:r>
+              <a:rPr lang="en-US" sz="1800" dirty="0"/>
+              <a:t>Used in Native clients to obtain access code </a:t>
+            </a:r>
+          </a:p>
+          <a:p>
+            <a:pPr lvl="1">
+              <a:defRPr/>
+            </a:pPr>
+            <a:r>
+              <a:rPr lang="en-US" sz="1800" dirty="0"/>
+              <a:t>Requires passing user name and password</a:t>
+            </a:r>
+            <a:br>
+              <a:rPr lang="en-US" sz="1800" dirty="0"/>
+            </a:br>
+            <a:endParaRPr lang="en-US" sz="500" dirty="0"/>
+          </a:p>
+          <a:p>
+            <a:pPr>
+              <a:defRPr/>
+            </a:pPr>
+            <a:r>
+              <a:rPr lang="en-US" sz="2000" dirty="0"/>
+              <a:t>Client Credentials Grant Flow</a:t>
+            </a:r>
+            <a:r>
+              <a:rPr lang="en-US" sz="1600" dirty="0"/>
+              <a:t> </a:t>
+            </a:r>
+            <a:r>
+              <a:rPr lang="en-US" sz="1600" i="1" dirty="0">
+                <a:solidFill>
+                  <a:srgbClr val="C00000"/>
+                </a:solidFill>
+              </a:rPr>
+              <a:t>(confidential client)</a:t>
+            </a:r>
+            <a:endParaRPr lang="en-US" sz="2000" dirty="0"/>
+          </a:p>
+          <a:p>
+            <a:pPr lvl="1">
+              <a:defRPr/>
+            </a:pPr>
+            <a:r>
+              <a:rPr lang="en-US" sz="1800" dirty="0"/>
+              <a:t>Authentication based on SSL certificate with public-private key pair</a:t>
+            </a:r>
+          </a:p>
+          <a:p>
+            <a:pPr lvl="1">
+              <a:defRPr/>
+            </a:pPr>
+            <a:r>
+              <a:rPr lang="en-US" sz="1800" dirty="0"/>
+              <a:t>Used to obtain access token when using app-only permissions </a:t>
+            </a:r>
+            <a:endParaRPr lang="en-US" sz="2000" dirty="0"/>
+          </a:p>
+          <a:p>
+            <a:pPr>
+              <a:defRPr/>
+            </a:pPr>
+            <a:endParaRPr lang="en-US" sz="2000" b="1" dirty="0"/>
+          </a:p>
+        </p:txBody>
+      </p:sp>
+    </p:spTree>
+    <p:extLst>
+      <p:ext uri="{BB962C8B-B14F-4D97-AF65-F5344CB8AC3E}">
+        <p14:creationId xmlns:p14="http://schemas.microsoft.com/office/powerpoint/2010/main" val="104608098"/>
+      </p:ext>
+    </p:extLst>
+  </p:cSld>
+  <p:clrMapOvr>
+    <a:masterClrMapping/>
+  </p:clrMapOvr>
+</p:sld>
+</file>
+
+<file path=ppt/slides/slide11.xml><?xml version="1.0" encoding="utf-8"?>
+<p:sld xmlns:a="http://schemas.openxmlformats.org/drawingml/2006/main" xmlns:r="http://schemas.openxmlformats.org/officeDocument/2006/relationships" xmlns:p="http://schemas.openxmlformats.org/presentationml/2006/main">
+  <p:cSld>
+    <p:spTree>
+      <p:nvGrpSpPr>
+        <p:cNvPr id="1" name=""/>
+        <p:cNvGrpSpPr/>
+        <p:nvPr/>
+      </p:nvGrpSpPr>
+      <p:grpSpPr>
+        <a:xfrm>
+          <a:off x="0" y="0"/>
+          <a:ext cx="0" cy="0"/>
+          <a:chOff x="0" y="0"/>
+          <a:chExt cx="0" cy="0"/>
+        </a:xfrm>
+      </p:grpSpPr>
+      <p:sp>
+        <p:nvSpPr>
+          <p:cNvPr id="33794" name="Title 1"/>
+          <p:cNvSpPr>
+            <a:spLocks noGrp="1"/>
+          </p:cNvSpPr>
+          <p:nvPr>
+            <p:ph type="title"/>
+          </p:nvPr>
+        </p:nvSpPr>
+        <p:spPr/>
+        <p:txBody>
+          <a:bodyPr/>
+          <a:lstStyle/>
+          <a:p>
+            <a:r>
+              <a:rPr lang="en-US" altLang="en-US"/>
+              <a:t>Azure Active Directory (AAD)</a:t>
+            </a:r>
+          </a:p>
+        </p:txBody>
+      </p:sp>
+      <p:sp>
+        <p:nvSpPr>
+          <p:cNvPr id="3" name="Content Placeholder 2"/>
+          <p:cNvSpPr>
+            <a:spLocks noGrp="1"/>
+          </p:cNvSpPr>
+          <p:nvPr>
+            <p:ph idx="1"/>
+          </p:nvPr>
+        </p:nvSpPr>
+        <p:spPr/>
+        <p:txBody>
+          <a:bodyPr/>
+          <a:lstStyle/>
+          <a:p>
+            <a:r>
+              <a:rPr lang="en-US" dirty="0"/>
+              <a:t>AAD plays role of an OpenID Connect Provider</a:t>
+            </a:r>
+          </a:p>
+          <a:p>
+            <a:pPr lvl="1"/>
+            <a:r>
+              <a:rPr lang="en-US" dirty="0"/>
+              <a:t>Creates access tokens based on OAuth 2.0</a:t>
+            </a:r>
+          </a:p>
+          <a:p>
+            <a:pPr lvl="1"/>
+            <a:r>
+              <a:rPr lang="en-US" dirty="0"/>
+              <a:t>Creates id tokens based on OpenID Connect 1.0</a:t>
+            </a:r>
+          </a:p>
+          <a:p>
+            <a:pPr lvl="1"/>
+            <a:endParaRPr lang="en-US" dirty="0"/>
+          </a:p>
+          <a:p>
+            <a:r>
+              <a:rPr lang="en-US" dirty="0"/>
+              <a:t>AAD provides authentication &amp; authorization for…</a:t>
+            </a:r>
+          </a:p>
+          <a:p>
+            <a:pPr lvl="1"/>
+            <a:r>
+              <a:rPr lang="en-US" dirty="0"/>
+              <a:t>Office 365, Dynamics 365 and SharePoint Online</a:t>
+            </a:r>
+          </a:p>
+          <a:p>
+            <a:pPr lvl="1"/>
+            <a:r>
+              <a:rPr lang="en-US" dirty="0"/>
+              <a:t>Power BI Service API and Microsoft Graph API</a:t>
+            </a:r>
+          </a:p>
+          <a:p>
+            <a:pPr lvl="1"/>
+            <a:r>
+              <a:rPr lang="en-US" dirty="0"/>
+              <a:t>Custom Web Applications and Web Services</a:t>
+            </a:r>
+          </a:p>
+        </p:txBody>
+      </p:sp>
+    </p:spTree>
+    <p:extLst>
+      <p:ext uri="{BB962C8B-B14F-4D97-AF65-F5344CB8AC3E}">
+        <p14:creationId xmlns:p14="http://schemas.microsoft.com/office/powerpoint/2010/main" val="5194245"/>
+      </p:ext>
+    </p:extLst>
+  </p:cSld>
+  <p:clrMapOvr>
+    <a:masterClrMapping/>
+  </p:clrMapOvr>
+</p:sld>
+</file>
+
+<file path=ppt/slides/slide12.xml><?xml version="1.0" encoding="utf-8"?>
+<p:sld xmlns:a="http://schemas.openxmlformats.org/drawingml/2006/main" xmlns:r="http://schemas.openxmlformats.org/officeDocument/2006/relationships" xmlns:p="http://schemas.openxmlformats.org/presentationml/2006/main">
+  <p:cSld>
+    <p:spTree>
+      <p:nvGrpSpPr>
+        <p:cNvPr id="1" name=""/>
+        <p:cNvGrpSpPr/>
+        <p:nvPr/>
+      </p:nvGrpSpPr>
+      <p:grpSpPr>
+        <a:xfrm>
+          <a:off x="0" y="0"/>
+          <a:ext cx="0" cy="0"/>
+          <a:chOff x="0" y="0"/>
+          <a:chExt cx="0" cy="0"/>
+        </a:xfrm>
+      </p:grpSpPr>
+      <p:sp>
+        <p:nvSpPr>
           <p:cNvPr id="2" name="Title 1">
             <a:extLst>
               <a:ext uri="{FF2B5EF4-FFF2-40B4-BE49-F238E27FC236}">
@@ -2759,7 +3128,7 @@
 </p:sld>
 </file>
 
-<file path=ppt/slides/slide11.xml><?xml version="1.0" encoding="utf-8"?>
+<file path=ppt/slides/slide13.xml><?xml version="1.0" encoding="utf-8"?>
 <p:sld xmlns:a="http://schemas.openxmlformats.org/drawingml/2006/main" xmlns:r="http://schemas.openxmlformats.org/officeDocument/2006/relationships" xmlns:p="http://schemas.openxmlformats.org/presentationml/2006/main">
   <p:cSld>
     <p:spTree>
@@ -2965,7 +3334,7 @@
 </p:sld>
 </file>
 
-<file path=ppt/slides/slide12.xml><?xml version="1.0" encoding="utf-8"?>
+<file path=ppt/slides/slide14.xml><?xml version="1.0" encoding="utf-8"?>
 <p:sld xmlns:a="http://schemas.openxmlformats.org/drawingml/2006/main" xmlns:r="http://schemas.openxmlformats.org/officeDocument/2006/relationships" xmlns:p="http://schemas.openxmlformats.org/presentationml/2006/main">
   <p:cSld>
     <p:spTree>
@@ -3095,7 +3464,7 @@
 </p:sld>
 </file>
 
-<file path=ppt/slides/slide13.xml><?xml version="1.0" encoding="utf-8"?>
+<file path=ppt/slides/slide15.xml><?xml version="1.0" encoding="utf-8"?>
 <p:sld xmlns:a="http://schemas.openxmlformats.org/drawingml/2006/main" xmlns:r="http://schemas.openxmlformats.org/officeDocument/2006/relationships" xmlns:p="http://schemas.openxmlformats.org/presentationml/2006/main">
   <p:cSld>
     <p:spTree>
@@ -3258,7 +3627,7 @@
 </p:sld>
 </file>
 
-<file path=ppt/slides/slide14.xml><?xml version="1.0" encoding="utf-8"?>
+<file path=ppt/slides/slide16.xml><?xml version="1.0" encoding="utf-8"?>
 <p:sld xmlns:a="http://schemas.openxmlformats.org/drawingml/2006/main" xmlns:r="http://schemas.openxmlformats.org/officeDocument/2006/relationships" xmlns:p="http://schemas.openxmlformats.org/presentationml/2006/main">
   <p:cSld>
     <p:spTree>
@@ -3424,7 +3793,7 @@
 </p:sld>
 </file>
 
-<file path=ppt/slides/slide15.xml><?xml version="1.0" encoding="utf-8"?>
+<file path=ppt/slides/slide17.xml><?xml version="1.0" encoding="utf-8"?>
 <p:sld xmlns:a="http://schemas.openxmlformats.org/drawingml/2006/main" xmlns:r="http://schemas.openxmlformats.org/officeDocument/2006/relationships" xmlns:p="http://schemas.openxmlformats.org/presentationml/2006/main">
   <p:cSld>
     <p:spTree>
@@ -3561,7 +3930,7 @@
 </p:sld>
 </file>
 
-<file path=ppt/slides/slide16.xml><?xml version="1.0" encoding="utf-8"?>
+<file path=ppt/slides/slide18.xml><?xml version="1.0" encoding="utf-8"?>
 <p:sld xmlns:a="http://schemas.openxmlformats.org/drawingml/2006/main" xmlns:r="http://schemas.openxmlformats.org/officeDocument/2006/relationships" xmlns:p="http://schemas.openxmlformats.org/presentationml/2006/main">
   <p:cSld>
     <p:spTree>
@@ -3775,7 +4144,7 @@
 </p:sld>
 </file>
 
-<file path=ppt/slides/slide17.xml><?xml version="1.0" encoding="utf-8"?>
+<file path=ppt/slides/slide19.xml><?xml version="1.0" encoding="utf-8"?>
 <p:sld xmlns:a="http://schemas.openxmlformats.org/drawingml/2006/main" xmlns:r="http://schemas.openxmlformats.org/officeDocument/2006/relationships" xmlns:p="http://schemas.openxmlformats.org/presentationml/2006/main">
   <p:cSld>
     <p:spTree>
@@ -3915,7 +4284,263 @@
 </p:sld>
 </file>
 
-<file path=ppt/slides/slide18.xml><?xml version="1.0" encoding="utf-8"?>
+<file path=ppt/slides/slide2.xml><?xml version="1.0" encoding="utf-8"?>
+<p:sld xmlns:a="http://schemas.openxmlformats.org/drawingml/2006/main" xmlns:r="http://schemas.openxmlformats.org/officeDocument/2006/relationships" xmlns:p="http://schemas.openxmlformats.org/presentationml/2006/main">
+  <p:cSld>
+    <p:spTree>
+      <p:nvGrpSpPr>
+        <p:cNvPr id="1" name=""/>
+        <p:cNvGrpSpPr/>
+        <p:nvPr/>
+      </p:nvGrpSpPr>
+      <p:grpSpPr>
+        <a:xfrm>
+          <a:off x="0" y="0"/>
+          <a:ext cx="0" cy="0"/>
+          <a:chOff x="0" y="0"/>
+          <a:chExt cx="0" cy="0"/>
+        </a:xfrm>
+      </p:grpSpPr>
+      <p:sp>
+        <p:nvSpPr>
+          <p:cNvPr id="2" name="Title 1">
+            <a:extLst>
+              <a:ext uri="{FF2B5EF4-FFF2-40B4-BE49-F238E27FC236}">
+                <a16:creationId xmlns:a16="http://schemas.microsoft.com/office/drawing/2014/main" id="{0AC4A93C-972F-482B-91D2-B0BBA86698E5}"/>
+              </a:ext>
+            </a:extLst>
+          </p:cNvPr>
+          <p:cNvSpPr>
+            <a:spLocks noGrp="1"/>
+          </p:cNvSpPr>
+          <p:nvPr>
+            <p:ph type="title"/>
+          </p:nvPr>
+        </p:nvSpPr>
+        <p:spPr/>
+        <p:txBody>
+          <a:bodyPr/>
+          <a:lstStyle/>
+          <a:p>
+            <a:r>
+              <a:rPr lang="en-US" dirty="0"/>
+              <a:t>Slides and Code for this Session</a:t>
+            </a:r>
+          </a:p>
+        </p:txBody>
+      </p:sp>
+      <p:sp>
+        <p:nvSpPr>
+          <p:cNvPr id="3" name="Content Placeholder 2">
+            <a:extLst>
+              <a:ext uri="{FF2B5EF4-FFF2-40B4-BE49-F238E27FC236}">
+                <a16:creationId xmlns:a16="http://schemas.microsoft.com/office/drawing/2014/main" id="{00F28907-67FD-4F68-88C2-C5CB8C3824FD}"/>
+              </a:ext>
+            </a:extLst>
+          </p:cNvPr>
+          <p:cNvSpPr>
+            <a:spLocks noGrp="1"/>
+          </p:cNvSpPr>
+          <p:nvPr>
+            <p:ph idx="1"/>
+          </p:nvPr>
+        </p:nvSpPr>
+        <p:spPr/>
+        <p:txBody>
+          <a:bodyPr>
+            <a:normAutofit/>
+          </a:bodyPr>
+          <a:lstStyle/>
+          <a:p>
+            <a:r>
+              <a:rPr lang="en-US" sz="2400" dirty="0">
+                <a:hlinkClick r:id="rId2"/>
+              </a:rPr>
+              <a:t>https://github.com/CriticalPathTraining/CDSAWEBAPI</a:t>
+            </a:r>
+            <a:r>
+              <a:rPr lang="en-US" sz="2400" dirty="0"/>
+              <a:t> </a:t>
+            </a:r>
+          </a:p>
+        </p:txBody>
+      </p:sp>
+      <p:pic>
+        <p:nvPicPr>
+          <p:cNvPr id="4" name="Picture 3">
+            <a:extLst>
+              <a:ext uri="{FF2B5EF4-FFF2-40B4-BE49-F238E27FC236}">
+                <a16:creationId xmlns:a16="http://schemas.microsoft.com/office/drawing/2014/main" id="{E2467F8F-E6D5-485F-800B-A97D708587E9}"/>
+              </a:ext>
+            </a:extLst>
+          </p:cNvPr>
+          <p:cNvPicPr>
+            <a:picLocks noChangeAspect="1"/>
+          </p:cNvPicPr>
+          <p:nvPr/>
+        </p:nvPicPr>
+        <p:blipFill>
+          <a:blip r:embed="rId3"/>
+          <a:stretch>
+            <a:fillRect/>
+          </a:stretch>
+        </p:blipFill>
+        <p:spPr>
+          <a:xfrm>
+            <a:off x="1143000" y="2134826"/>
+            <a:ext cx="7803049" cy="4621574"/>
+          </a:xfrm>
+          <a:prstGeom prst="rect">
+            <a:avLst/>
+          </a:prstGeom>
+          <a:ln>
+            <a:solidFill>
+              <a:schemeClr val="tx1">
+                <a:lumMod val="50000"/>
+                <a:lumOff val="50000"/>
+              </a:schemeClr>
+            </a:solidFill>
+          </a:ln>
+        </p:spPr>
+      </p:pic>
+      <p:sp>
+        <p:nvSpPr>
+          <p:cNvPr id="5" name="Arrow: Right 4">
+            <a:extLst>
+              <a:ext uri="{FF2B5EF4-FFF2-40B4-BE49-F238E27FC236}">
+                <a16:creationId xmlns:a16="http://schemas.microsoft.com/office/drawing/2014/main" id="{6CA2560E-8FBA-43BC-B2C1-FE6A8CED8EAA}"/>
+              </a:ext>
+            </a:extLst>
+          </p:cNvPr>
+          <p:cNvSpPr/>
+          <p:nvPr/>
+        </p:nvSpPr>
+        <p:spPr>
+          <a:xfrm>
+            <a:off x="381000" y="5791200"/>
+            <a:ext cx="838200" cy="533400"/>
+          </a:xfrm>
+          <a:prstGeom prst="rightArrow">
+            <a:avLst/>
+          </a:prstGeom>
+        </p:spPr>
+        <p:style>
+          <a:lnRef idx="2">
+            <a:schemeClr val="accent1">
+              <a:shade val="50000"/>
+            </a:schemeClr>
+          </a:lnRef>
+          <a:fillRef idx="1">
+            <a:schemeClr val="accent1"/>
+          </a:fillRef>
+          <a:effectRef idx="0">
+            <a:schemeClr val="accent1"/>
+          </a:effectRef>
+          <a:fontRef idx="minor">
+            <a:schemeClr val="lt1"/>
+          </a:fontRef>
+        </p:style>
+        <p:txBody>
+          <a:bodyPr rtlCol="0" anchor="ctr"/>
+          <a:lstStyle/>
+          <a:p>
+            <a:pPr algn="ctr"/>
+            <a:endParaRPr lang="en-US"/>
+          </a:p>
+        </p:txBody>
+      </p:sp>
+    </p:spTree>
+    <p:extLst>
+      <p:ext uri="{BB962C8B-B14F-4D97-AF65-F5344CB8AC3E}">
+        <p14:creationId xmlns:p14="http://schemas.microsoft.com/office/powerpoint/2010/main" val="3453655178"/>
+      </p:ext>
+    </p:extLst>
+  </p:cSld>
+  <p:clrMapOvr>
+    <a:masterClrMapping/>
+  </p:clrMapOvr>
+  <p:timing>
+    <p:tnLst>
+      <p:par>
+        <p:cTn id="1" dur="indefinite" restart="never" nodeType="tmRoot">
+          <p:childTnLst>
+            <p:seq concurrent="1" nextAc="seek">
+              <p:cTn id="2" dur="indefinite" nodeType="mainSeq">
+                <p:childTnLst>
+                  <p:par>
+                    <p:cTn id="3" fill="hold">
+                      <p:stCondLst>
+                        <p:cond delay="indefinite"/>
+                      </p:stCondLst>
+                      <p:childTnLst>
+                        <p:par>
+                          <p:cTn id="4" fill="hold">
+                            <p:stCondLst>
+                              <p:cond delay="0"/>
+                            </p:stCondLst>
+                            <p:childTnLst>
+                              <p:par>
+                                <p:cTn id="5" presetID="1" presetClass="entr" presetSubtype="0" fill="hold" grpId="0" nodeType="clickEffect">
+                                  <p:stCondLst>
+                                    <p:cond delay="0"/>
+                                  </p:stCondLst>
+                                  <p:childTnLst>
+                                    <p:set>
+                                      <p:cBhvr>
+                                        <p:cTn id="6" dur="1" fill="hold">
+                                          <p:stCondLst>
+                                            <p:cond delay="0"/>
+                                          </p:stCondLst>
+                                        </p:cTn>
+                                        <p:tgtEl>
+                                          <p:spTgt spid="5"/>
+                                        </p:tgtEl>
+                                        <p:attrNameLst>
+                                          <p:attrName>style.visibility</p:attrName>
+                                        </p:attrNameLst>
+                                      </p:cBhvr>
+                                      <p:to>
+                                        <p:strVal val="visible"/>
+                                      </p:to>
+                                    </p:set>
+                                  </p:childTnLst>
+                                </p:cTn>
+                              </p:par>
+                            </p:childTnLst>
+                          </p:cTn>
+                        </p:par>
+                      </p:childTnLst>
+                    </p:cTn>
+                  </p:par>
+                </p:childTnLst>
+              </p:cTn>
+              <p:prevCondLst>
+                <p:cond evt="onPrev" delay="0">
+                  <p:tgtEl>
+                    <p:sldTgt/>
+                  </p:tgtEl>
+                </p:cond>
+              </p:prevCondLst>
+              <p:nextCondLst>
+                <p:cond evt="onNext" delay="0">
+                  <p:tgtEl>
+                    <p:sldTgt/>
+                  </p:tgtEl>
+                </p:cond>
+              </p:nextCondLst>
+            </p:seq>
+          </p:childTnLst>
+        </p:cTn>
+      </p:par>
+    </p:tnLst>
+    <p:bldLst>
+      <p:bldP spid="5" grpId="0" animBg="1"/>
+    </p:bldLst>
+  </p:timing>
+</p:sld>
+</file>
+
+<file path=ppt/slides/slide20.xml><?xml version="1.0" encoding="utf-8"?>
 <p:sld xmlns:a="http://schemas.openxmlformats.org/drawingml/2006/main" xmlns:r="http://schemas.openxmlformats.org/officeDocument/2006/relationships" xmlns:p="http://schemas.openxmlformats.org/presentationml/2006/main">
   <p:cSld>
     <p:spTree>
@@ -4069,7 +4694,7 @@
 </p:sld>
 </file>
 
-<file path=ppt/slides/slide19.xml><?xml version="1.0" encoding="utf-8"?>
+<file path=ppt/slides/slide21.xml><?xml version="1.0" encoding="utf-8"?>
 <p:sld xmlns:a="http://schemas.openxmlformats.org/drawingml/2006/main" xmlns:r="http://schemas.openxmlformats.org/officeDocument/2006/relationships" xmlns:p="http://schemas.openxmlformats.org/presentationml/2006/main">
   <p:cSld>
     <p:spTree>
@@ -4301,102 +4926,7 @@
 </p:sld>
 </file>
 
-<file path=ppt/slides/slide2.xml><?xml version="1.0" encoding="utf-8"?>
-<p:sld xmlns:a="http://schemas.openxmlformats.org/drawingml/2006/main" xmlns:r="http://schemas.openxmlformats.org/officeDocument/2006/relationships" xmlns:p="http://schemas.openxmlformats.org/presentationml/2006/main">
-  <p:cSld>
-    <p:spTree>
-      <p:nvGrpSpPr>
-        <p:cNvPr id="1" name=""/>
-        <p:cNvGrpSpPr/>
-        <p:nvPr/>
-      </p:nvGrpSpPr>
-      <p:grpSpPr>
-        <a:xfrm>
-          <a:off x="0" y="0"/>
-          <a:ext cx="0" cy="0"/>
-          <a:chOff x="0" y="0"/>
-          <a:chExt cx="0" cy="0"/>
-        </a:xfrm>
-      </p:grpSpPr>
-      <p:sp>
-        <p:nvSpPr>
-          <p:cNvPr id="13314" name="Title 1"/>
-          <p:cNvSpPr>
-            <a:spLocks noGrp="1"/>
-          </p:cNvSpPr>
-          <p:nvPr>
-            <p:ph type="title"/>
-          </p:nvPr>
-        </p:nvSpPr>
-        <p:spPr/>
-        <p:txBody>
-          <a:bodyPr/>
-          <a:lstStyle/>
-          <a:p>
-            <a:r>
-              <a:rPr lang="en-US" altLang="en-US"/>
-              <a:t>Agenda</a:t>
-            </a:r>
-          </a:p>
-        </p:txBody>
-      </p:sp>
-      <p:sp>
-        <p:nvSpPr>
-          <p:cNvPr id="13315" name="Content Placeholder 2"/>
-          <p:cNvSpPr>
-            <a:spLocks noGrp="1"/>
-          </p:cNvSpPr>
-          <p:nvPr>
-            <p:ph idx="1"/>
-          </p:nvPr>
-        </p:nvSpPr>
-        <p:spPr/>
-        <p:txBody>
-          <a:bodyPr/>
-          <a:lstStyle/>
-          <a:p>
-            <a:r>
-              <a:rPr lang="en-US" altLang="en-US" dirty="0"/>
-              <a:t>CDS for Apps Web API Overview</a:t>
-            </a:r>
-          </a:p>
-          <a:p>
-            <a:r>
-              <a:rPr lang="en-US" altLang="en-US" dirty="0"/>
-              <a:t>Authentication with Azure Active Directory</a:t>
-            </a:r>
-          </a:p>
-          <a:p>
-            <a:r>
-              <a:rPr lang="en-US" altLang="en-US" dirty="0"/>
-              <a:t>Programming the CDS for Apps Web API</a:t>
-            </a:r>
-          </a:p>
-          <a:p>
-            <a:r>
-              <a:rPr lang="en-US" altLang="en-US" dirty="0"/>
-              <a:t>Authentication in a Web App</a:t>
-            </a:r>
-          </a:p>
-          <a:p>
-            <a:endParaRPr lang="en-US" altLang="en-US" dirty="0"/>
-          </a:p>
-        </p:txBody>
-      </p:sp>
-    </p:spTree>
-    <p:extLst>
-      <p:ext uri="{BB962C8B-B14F-4D97-AF65-F5344CB8AC3E}">
-        <p14:creationId xmlns:p14="http://schemas.microsoft.com/office/powerpoint/2010/main" val="271363360"/>
-      </p:ext>
-    </p:extLst>
-  </p:cSld>
-  <p:clrMapOvr>
-    <a:masterClrMapping/>
-  </p:clrMapOvr>
-</p:sld>
-</file>
-
-<file path=ppt/slides/slide20.xml><?xml version="1.0" encoding="utf-8"?>
+<file path=ppt/slides/slide22.xml><?xml version="1.0" encoding="utf-8"?>
 <p:sld xmlns:a="http://schemas.openxmlformats.org/drawingml/2006/main" xmlns:r="http://schemas.openxmlformats.org/officeDocument/2006/relationships" xmlns:p="http://schemas.openxmlformats.org/presentationml/2006/main">
   <p:cSld>
     <p:spTree>
@@ -4545,7 +5075,7 @@
 </p:sld>
 </file>
 
-<file path=ppt/slides/slide21.xml><?xml version="1.0" encoding="utf-8"?>
+<file path=ppt/slides/slide23.xml><?xml version="1.0" encoding="utf-8"?>
 <p:sld xmlns:a="http://schemas.openxmlformats.org/drawingml/2006/main" xmlns:r="http://schemas.openxmlformats.org/officeDocument/2006/relationships" xmlns:p="http://schemas.openxmlformats.org/presentationml/2006/main">
   <p:cSld>
     <p:spTree>
@@ -4758,7 +5288,7 @@
 </p:sld>
 </file>
 
-<file path=ppt/slides/slide22.xml><?xml version="1.0" encoding="utf-8"?>
+<file path=ppt/slides/slide24.xml><?xml version="1.0" encoding="utf-8"?>
 <p:sld xmlns:a="http://schemas.openxmlformats.org/drawingml/2006/main" xmlns:r="http://schemas.openxmlformats.org/officeDocument/2006/relationships" xmlns:p="http://schemas.openxmlformats.org/presentationml/2006/main">
   <p:cSld>
     <p:spTree>
@@ -4865,7 +5395,7 @@
 </p:sld>
 </file>
 
-<file path=ppt/slides/slide23.xml><?xml version="1.0" encoding="utf-8"?>
+<file path=ppt/slides/slide25.xml><?xml version="1.0" encoding="utf-8"?>
 <p:sld xmlns:a="http://schemas.openxmlformats.org/drawingml/2006/main" xmlns:r="http://schemas.openxmlformats.org/officeDocument/2006/relationships" xmlns:p="http://schemas.openxmlformats.org/presentationml/2006/main">
   <p:cSld>
     <p:spTree>
@@ -5755,7 +6285,7 @@
 </p:sld>
 </file>
 
-<file path=ppt/slides/slide24.xml><?xml version="1.0" encoding="utf-8"?>
+<file path=ppt/slides/slide26.xml><?xml version="1.0" encoding="utf-8"?>
 <p:sld xmlns:a="http://schemas.openxmlformats.org/drawingml/2006/main" xmlns:r="http://schemas.openxmlformats.org/officeDocument/2006/relationships" xmlns:p="http://schemas.openxmlformats.org/presentationml/2006/main">
   <p:cSld>
     <p:spTree>
@@ -5944,7 +6474,7 @@
 </p:sld>
 </file>
 
-<file path=ppt/slides/slide25.xml><?xml version="1.0" encoding="utf-8"?>
+<file path=ppt/slides/slide27.xml><?xml version="1.0" encoding="utf-8"?>
 <p:sld xmlns:a="http://schemas.openxmlformats.org/drawingml/2006/main" xmlns:r="http://schemas.openxmlformats.org/officeDocument/2006/relationships" xmlns:p="http://schemas.openxmlformats.org/presentationml/2006/main">
   <p:cSld>
     <p:spTree>
@@ -6039,7 +6569,7 @@
 </p:sld>
 </file>
 
-<file path=ppt/slides/slide26.xml><?xml version="1.0" encoding="utf-8"?>
+<file path=ppt/slides/slide28.xml><?xml version="1.0" encoding="utf-8"?>
 <p:sld xmlns:a="http://schemas.openxmlformats.org/drawingml/2006/main" xmlns:r="http://schemas.openxmlformats.org/officeDocument/2006/relationships" xmlns:p="http://schemas.openxmlformats.org/presentationml/2006/main">
   <p:cSld>
     <p:spTree>
@@ -6135,7 +6665,7 @@
 </p:sld>
 </file>
 
-<file path=ppt/slides/slide27.xml><?xml version="1.0" encoding="utf-8"?>
+<file path=ppt/slides/slide29.xml><?xml version="1.0" encoding="utf-8"?>
 <p:sld xmlns:a="http://schemas.openxmlformats.org/drawingml/2006/main" xmlns:r="http://schemas.openxmlformats.org/officeDocument/2006/relationships" xmlns:p="http://schemas.openxmlformats.org/presentationml/2006/main">
   <p:cSld>
     <p:spTree>
@@ -6246,7 +6776,264 @@
 </p:sld>
 </file>
 
-<file path=ppt/slides/slide28.xml><?xml version="1.0" encoding="utf-8"?>
+<file path=ppt/slides/slide3.xml><?xml version="1.0" encoding="utf-8"?>
+<p:sld xmlns:a="http://schemas.openxmlformats.org/drawingml/2006/main" xmlns:r="http://schemas.openxmlformats.org/officeDocument/2006/relationships" xmlns:p="http://schemas.openxmlformats.org/presentationml/2006/main">
+  <p:cSld>
+    <p:spTree>
+      <p:nvGrpSpPr>
+        <p:cNvPr id="1" name=""/>
+        <p:cNvGrpSpPr/>
+        <p:nvPr/>
+      </p:nvGrpSpPr>
+      <p:grpSpPr>
+        <a:xfrm>
+          <a:off x="0" y="0"/>
+          <a:ext cx="0" cy="0"/>
+          <a:chOff x="0" y="0"/>
+          <a:chExt cx="0" cy="0"/>
+        </a:xfrm>
+      </p:grpSpPr>
+      <p:sp>
+        <p:nvSpPr>
+          <p:cNvPr id="2" name="Title 1">
+            <a:extLst>
+              <a:ext uri="{FF2B5EF4-FFF2-40B4-BE49-F238E27FC236}">
+                <a16:creationId xmlns:a16="http://schemas.microsoft.com/office/drawing/2014/main" id="{520D3FB5-A452-4BD4-A32F-23B0F3F78162}"/>
+              </a:ext>
+            </a:extLst>
+          </p:cNvPr>
+          <p:cNvSpPr>
+            <a:spLocks noGrp="1"/>
+          </p:cNvSpPr>
+          <p:nvPr>
+            <p:ph type="title"/>
+          </p:nvPr>
+        </p:nvSpPr>
+        <p:spPr/>
+        <p:txBody>
+          <a:bodyPr/>
+          <a:lstStyle/>
+          <a:p>
+            <a:r>
+              <a:rPr lang="en-US" dirty="0"/>
+              <a:t>Deep Dive into PowerApps and Flow</a:t>
+            </a:r>
+          </a:p>
+        </p:txBody>
+      </p:sp>
+      <p:sp>
+        <p:nvSpPr>
+          <p:cNvPr id="3" name="Content Placeholder 2">
+            <a:extLst>
+              <a:ext uri="{FF2B5EF4-FFF2-40B4-BE49-F238E27FC236}">
+                <a16:creationId xmlns:a16="http://schemas.microsoft.com/office/drawing/2014/main" id="{E41391A0-1B98-461D-86FA-5FFD5ED86E98}"/>
+              </a:ext>
+            </a:extLst>
+          </p:cNvPr>
+          <p:cNvSpPr>
+            <a:spLocks noGrp="1"/>
+          </p:cNvSpPr>
+          <p:nvPr>
+            <p:ph idx="1"/>
+          </p:nvPr>
+        </p:nvSpPr>
+        <p:spPr/>
+        <p:txBody>
+          <a:bodyPr>
+            <a:normAutofit/>
+          </a:bodyPr>
+          <a:lstStyle/>
+          <a:p>
+            <a:r>
+              <a:rPr lang="en-US" sz="2200" dirty="0"/>
+              <a:t>Two action-packed days of building PowerApps and Flows</a:t>
+            </a:r>
+          </a:p>
+          <a:p>
+            <a:pPr marL="804862" lvl="1" indent="-457200">
+              <a:buFont typeface="+mj-lt"/>
+              <a:buAutoNum type="arabicPeriod"/>
+            </a:pPr>
+            <a:r>
+              <a:rPr lang="en-US" sz="1800" dirty="0"/>
+              <a:t>Getting Started with PowerApps Studio</a:t>
+            </a:r>
+          </a:p>
+          <a:p>
+            <a:pPr marL="804862" lvl="1" indent="-457200">
+              <a:buFont typeface="+mj-lt"/>
+              <a:buAutoNum type="arabicPeriod"/>
+            </a:pPr>
+            <a:r>
+              <a:rPr lang="en-US" sz="1800" dirty="0"/>
+              <a:t>Designing PowerApps using Advanced Techniques</a:t>
+            </a:r>
+          </a:p>
+          <a:p>
+            <a:pPr marL="804862" lvl="1" indent="-457200">
+              <a:buFont typeface="+mj-lt"/>
+              <a:buAutoNum type="arabicPeriod"/>
+            </a:pPr>
+            <a:r>
+              <a:rPr lang="en-US" sz="1800" dirty="0"/>
+              <a:t>Building PowerApps for SharePoint Online</a:t>
+            </a:r>
+          </a:p>
+          <a:p>
+            <a:pPr marL="804862" lvl="1" indent="-457200">
+              <a:buFont typeface="+mj-lt"/>
+              <a:buAutoNum type="arabicPeriod"/>
+            </a:pPr>
+            <a:r>
+              <a:rPr lang="en-US" sz="1800" dirty="0"/>
+              <a:t>Introduction to Microsoft Flow</a:t>
+            </a:r>
+          </a:p>
+          <a:p>
+            <a:pPr marL="804862" lvl="1" indent="-457200">
+              <a:buFont typeface="+mj-lt"/>
+              <a:buAutoNum type="arabicPeriod"/>
+            </a:pPr>
+            <a:r>
+              <a:rPr lang="en-US" sz="1800" dirty="0"/>
+              <a:t>Designing Flows to Automate an Approval Process</a:t>
+            </a:r>
+          </a:p>
+          <a:p>
+            <a:pPr marL="804862" lvl="1" indent="-457200">
+              <a:buFont typeface="+mj-lt"/>
+              <a:buAutoNum type="arabicPeriod"/>
+            </a:pPr>
+            <a:r>
+              <a:rPr lang="en-US" sz="1800" dirty="0"/>
+              <a:t>Building PowerApps and Flows for Power BI</a:t>
+            </a:r>
+          </a:p>
+          <a:p>
+            <a:pPr marL="804862" lvl="1" indent="-457200">
+              <a:buFont typeface="+mj-lt"/>
+              <a:buAutoNum type="arabicPeriod"/>
+            </a:pPr>
+            <a:r>
+              <a:rPr lang="en-US" sz="1800" dirty="0"/>
+              <a:t>Working with the Common Data Service for Apps</a:t>
+            </a:r>
+          </a:p>
+          <a:p>
+            <a:pPr marL="804862" lvl="1" indent="-457200">
+              <a:buFont typeface="+mj-lt"/>
+              <a:buAutoNum type="arabicPeriod"/>
+            </a:pPr>
+            <a:r>
+              <a:rPr lang="en-US" sz="1800" dirty="0"/>
+              <a:t>Managing Application Lifecycle with PowerApps and Flow</a:t>
+            </a:r>
+          </a:p>
+          <a:p>
+            <a:pPr marL="804862" lvl="1" indent="-457200">
+              <a:buFont typeface="+mj-lt"/>
+              <a:buAutoNum type="arabicPeriod"/>
+            </a:pPr>
+            <a:endParaRPr lang="en-US" sz="1800" dirty="0"/>
+          </a:p>
+          <a:p>
+            <a:pPr marL="469900" indent="-457200"/>
+            <a:r>
+              <a:rPr lang="en-US" sz="2000" dirty="0"/>
+              <a:t>More info</a:t>
+            </a:r>
+          </a:p>
+          <a:p>
+            <a:pPr marL="804862" lvl="1" indent="-457200"/>
+            <a:r>
+              <a:rPr lang="en-US" sz="1800" dirty="0">
+                <a:hlinkClick r:id="rId2"/>
+              </a:rPr>
+              <a:t>https://www.criticalpathtraining.com</a:t>
+            </a:r>
+            <a:endParaRPr lang="en-US" sz="1800" dirty="0"/>
+          </a:p>
+          <a:p>
+            <a:pPr marL="804862" lvl="1" indent="-457200"/>
+            <a:r>
+              <a:rPr lang="en-US" sz="1800" dirty="0">
+                <a:hlinkClick r:id="rId3"/>
+              </a:rPr>
+              <a:t>info@criticalpathtraining.com</a:t>
+            </a:r>
+            <a:r>
+              <a:rPr lang="en-US" sz="1800" dirty="0"/>
+              <a:t> </a:t>
+            </a:r>
+          </a:p>
+          <a:p>
+            <a:pPr marL="804862" lvl="1" indent="-457200">
+              <a:buFont typeface="+mj-lt"/>
+              <a:buAutoNum type="arabicPeriod"/>
+            </a:pPr>
+            <a:endParaRPr lang="en-US" sz="1800" dirty="0"/>
+          </a:p>
+          <a:p>
+            <a:pPr marL="469900" indent="-457200">
+              <a:buFont typeface="+mj-lt"/>
+              <a:buAutoNum type="arabicPeriod"/>
+            </a:pPr>
+            <a:endParaRPr lang="en-US" sz="2000" dirty="0"/>
+          </a:p>
+        </p:txBody>
+      </p:sp>
+      <p:pic>
+        <p:nvPicPr>
+          <p:cNvPr id="4" name="Picture 3">
+            <a:extLst>
+              <a:ext uri="{FF2B5EF4-FFF2-40B4-BE49-F238E27FC236}">
+                <a16:creationId xmlns:a16="http://schemas.microsoft.com/office/drawing/2014/main" id="{1E438CA3-2C64-48A5-B136-13D3E90A6BEB}"/>
+              </a:ext>
+            </a:extLst>
+          </p:cNvPr>
+          <p:cNvPicPr>
+            <a:picLocks noChangeAspect="1"/>
+          </p:cNvPicPr>
+          <p:nvPr/>
+        </p:nvPicPr>
+        <p:blipFill>
+          <a:blip r:embed="rId4"/>
+          <a:stretch>
+            <a:fillRect/>
+          </a:stretch>
+        </p:blipFill>
+        <p:spPr>
+          <a:xfrm>
+            <a:off x="5943600" y="5791200"/>
+            <a:ext cx="3083109" cy="938981"/>
+          </a:xfrm>
+          <a:prstGeom prst="rect">
+            <a:avLst/>
+          </a:prstGeom>
+          <a:ln>
+            <a:solidFill>
+              <a:schemeClr val="tx1">
+                <a:lumMod val="50000"/>
+                <a:lumOff val="50000"/>
+              </a:schemeClr>
+            </a:solidFill>
+          </a:ln>
+        </p:spPr>
+      </p:pic>
+    </p:spTree>
+    <p:extLst>
+      <p:ext uri="{BB962C8B-B14F-4D97-AF65-F5344CB8AC3E}">
+        <p14:creationId xmlns:p14="http://schemas.microsoft.com/office/powerpoint/2010/main" val="1663834009"/>
+      </p:ext>
+    </p:extLst>
+  </p:cSld>
+  <p:clrMapOvr>
+    <a:masterClrMapping/>
+  </p:clrMapOvr>
+</p:sld>
+</file>
+
+<file path=ppt/slides/slide30.xml><?xml version="1.0" encoding="utf-8"?>
 <p:sld xmlns:a="http://schemas.openxmlformats.org/drawingml/2006/main" xmlns:r="http://schemas.openxmlformats.org/officeDocument/2006/relationships" xmlns:p="http://schemas.openxmlformats.org/presentationml/2006/main">
   <p:cSld>
     <p:spTree>
@@ -6452,7 +7239,7 @@
 </p:sld>
 </file>
 
-<file path=ppt/slides/slide29.xml><?xml version="1.0" encoding="utf-8"?>
+<file path=ppt/slides/slide31.xml><?xml version="1.0" encoding="utf-8"?>
 <p:sld xmlns:a="http://schemas.openxmlformats.org/drawingml/2006/main" xmlns:r="http://schemas.openxmlformats.org/officeDocument/2006/relationships" xmlns:p="http://schemas.openxmlformats.org/presentationml/2006/main">
   <p:cSld>
     <p:spTree>
@@ -6606,7 +7393,486 @@
 </p:sld>
 </file>
 
-<file path=ppt/slides/slide3.xml><?xml version="1.0" encoding="utf-8"?>
+<file path=ppt/slides/slide32.xml><?xml version="1.0" encoding="utf-8"?>
+<p:sld xmlns:a="http://schemas.openxmlformats.org/drawingml/2006/main" xmlns:r="http://schemas.openxmlformats.org/officeDocument/2006/relationships" xmlns:p="http://schemas.openxmlformats.org/presentationml/2006/main">
+  <p:cSld>
+    <p:spTree>
+      <p:nvGrpSpPr>
+        <p:cNvPr id="1" name=""/>
+        <p:cNvGrpSpPr/>
+        <p:nvPr/>
+      </p:nvGrpSpPr>
+      <p:grpSpPr>
+        <a:xfrm>
+          <a:off x="0" y="0"/>
+          <a:ext cx="0" cy="0"/>
+          <a:chOff x="0" y="0"/>
+          <a:chExt cx="0" cy="0"/>
+        </a:xfrm>
+      </p:grpSpPr>
+      <p:sp>
+        <p:nvSpPr>
+          <p:cNvPr id="2" name="Title 1">
+            <a:extLst>
+              <a:ext uri="{FF2B5EF4-FFF2-40B4-BE49-F238E27FC236}">
+                <a16:creationId xmlns:a16="http://schemas.microsoft.com/office/drawing/2014/main" id="{E083A5F8-1895-4CBD-A08A-C27EE704D041}"/>
+              </a:ext>
+            </a:extLst>
+          </p:cNvPr>
+          <p:cNvSpPr>
+            <a:spLocks noGrp="1"/>
+          </p:cNvSpPr>
+          <p:nvPr>
+            <p:ph type="title"/>
+          </p:nvPr>
+        </p:nvSpPr>
+        <p:spPr/>
+        <p:txBody>
+          <a:bodyPr/>
+          <a:lstStyle/>
+          <a:p>
+            <a:r>
+              <a:rPr lang="en-US" dirty="0"/>
+              <a:t>Creating Keys for Application Passwords</a:t>
+            </a:r>
+          </a:p>
+        </p:txBody>
+      </p:sp>
+      <p:sp>
+        <p:nvSpPr>
+          <p:cNvPr id="3" name="Content Placeholder 2">
+            <a:extLst>
+              <a:ext uri="{FF2B5EF4-FFF2-40B4-BE49-F238E27FC236}">
+                <a16:creationId xmlns:a16="http://schemas.microsoft.com/office/drawing/2014/main" id="{98E21C6E-44AB-4735-8003-4D7311FCAB80}"/>
+              </a:ext>
+            </a:extLst>
+          </p:cNvPr>
+          <p:cNvSpPr>
+            <a:spLocks noGrp="1"/>
+          </p:cNvSpPr>
+          <p:nvPr>
+            <p:ph idx="1"/>
+          </p:nvPr>
+        </p:nvSpPr>
+        <p:spPr/>
+        <p:txBody>
+          <a:bodyPr/>
+          <a:lstStyle/>
+          <a:p>
+            <a:r>
+              <a:rPr lang="en-US" dirty="0"/>
+              <a:t>Web applications authenticate using keys</a:t>
+            </a:r>
+          </a:p>
+          <a:p>
+            <a:pPr lvl="1"/>
+            <a:r>
+              <a:rPr lang="en-US" dirty="0"/>
+              <a:t>Key acts as application-level password</a:t>
+            </a:r>
+          </a:p>
+          <a:p>
+            <a:pPr lvl="1"/>
+            <a:r>
+              <a:rPr lang="en-US" dirty="0"/>
+              <a:t>Application requires copy of key value</a:t>
+            </a:r>
+          </a:p>
+        </p:txBody>
+      </p:sp>
+      <p:pic>
+        <p:nvPicPr>
+          <p:cNvPr id="4" name="Picture 3">
+            <a:extLst>
+              <a:ext uri="{FF2B5EF4-FFF2-40B4-BE49-F238E27FC236}">
+                <a16:creationId xmlns:a16="http://schemas.microsoft.com/office/drawing/2014/main" id="{820443E8-68D0-4EFA-A175-71F062467E3B}"/>
+              </a:ext>
+            </a:extLst>
+          </p:cNvPr>
+          <p:cNvPicPr>
+            <a:picLocks noChangeAspect="1"/>
+          </p:cNvPicPr>
+          <p:nvPr/>
+        </p:nvPicPr>
+        <p:blipFill>
+          <a:blip r:embed="rId2"/>
+          <a:stretch>
+            <a:fillRect/>
+          </a:stretch>
+        </p:blipFill>
+        <p:spPr>
+          <a:xfrm>
+            <a:off x="381000" y="3200400"/>
+            <a:ext cx="8321360" cy="2590800"/>
+          </a:xfrm>
+          <a:prstGeom prst="rect">
+            <a:avLst/>
+          </a:prstGeom>
+          <a:ln>
+            <a:solidFill>
+              <a:schemeClr val="tx1">
+                <a:lumMod val="50000"/>
+                <a:lumOff val="50000"/>
+              </a:schemeClr>
+            </a:solidFill>
+          </a:ln>
+        </p:spPr>
+      </p:pic>
+    </p:spTree>
+    <p:extLst>
+      <p:ext uri="{BB962C8B-B14F-4D97-AF65-F5344CB8AC3E}">
+        <p14:creationId xmlns:p14="http://schemas.microsoft.com/office/powerpoint/2010/main" val="2641044642"/>
+      </p:ext>
+    </p:extLst>
+  </p:cSld>
+  <p:clrMapOvr>
+    <a:masterClrMapping/>
+  </p:clrMapOvr>
+</p:sld>
+</file>
+
+<file path=ppt/slides/slide33.xml><?xml version="1.0" encoding="utf-8"?>
+<p:sld xmlns:a="http://schemas.openxmlformats.org/drawingml/2006/main" xmlns:r="http://schemas.openxmlformats.org/officeDocument/2006/relationships" xmlns:p="http://schemas.openxmlformats.org/presentationml/2006/main">
+  <p:cSld>
+    <p:spTree>
+      <p:nvGrpSpPr>
+        <p:cNvPr id="1" name=""/>
+        <p:cNvGrpSpPr/>
+        <p:nvPr/>
+      </p:nvGrpSpPr>
+      <p:grpSpPr>
+        <a:xfrm>
+          <a:off x="0" y="0"/>
+          <a:ext cx="0" cy="0"/>
+          <a:chOff x="0" y="0"/>
+          <a:chExt cx="0" cy="0"/>
+        </a:xfrm>
+      </p:grpSpPr>
+      <p:sp>
+        <p:nvSpPr>
+          <p:cNvPr id="2" name="Title 1">
+            <a:extLst>
+              <a:ext uri="{FF2B5EF4-FFF2-40B4-BE49-F238E27FC236}">
+                <a16:creationId xmlns:a16="http://schemas.microsoft.com/office/drawing/2014/main" id="{A13966B1-F43C-4234-9D3B-EFE19002ED97}"/>
+              </a:ext>
+            </a:extLst>
+          </p:cNvPr>
+          <p:cNvSpPr>
+            <a:spLocks noGrp="1"/>
+          </p:cNvSpPr>
+          <p:nvPr>
+            <p:ph type="title"/>
+          </p:nvPr>
+        </p:nvSpPr>
+        <p:spPr/>
+        <p:txBody>
+          <a:bodyPr/>
+          <a:lstStyle/>
+          <a:p>
+            <a:r>
+              <a:rPr lang="en-US" dirty="0"/>
+              <a:t>Demo Time</a:t>
+            </a:r>
+          </a:p>
+        </p:txBody>
+      </p:sp>
+      <p:pic>
+        <p:nvPicPr>
+          <p:cNvPr id="4" name="Picture 3">
+            <a:extLst>
+              <a:ext uri="{FF2B5EF4-FFF2-40B4-BE49-F238E27FC236}">
+                <a16:creationId xmlns:a16="http://schemas.microsoft.com/office/drawing/2014/main" id="{1D0A58DB-ED7B-4010-805E-DC65AA641659}"/>
+              </a:ext>
+            </a:extLst>
+          </p:cNvPr>
+          <p:cNvPicPr>
+            <a:picLocks noChangeAspect="1"/>
+          </p:cNvPicPr>
+          <p:nvPr/>
+        </p:nvPicPr>
+        <p:blipFill>
+          <a:blip r:embed="rId2"/>
+          <a:stretch>
+            <a:fillRect/>
+          </a:stretch>
+        </p:blipFill>
+        <p:spPr>
+          <a:xfrm>
+            <a:off x="167640" y="1219199"/>
+            <a:ext cx="2880360" cy="3876883"/>
+          </a:xfrm>
+          <a:prstGeom prst="rect">
+            <a:avLst/>
+          </a:prstGeom>
+          <a:ln>
+            <a:solidFill>
+              <a:schemeClr val="tx1"/>
+            </a:solidFill>
+          </a:ln>
+        </p:spPr>
+      </p:pic>
+      <p:pic>
+        <p:nvPicPr>
+          <p:cNvPr id="3" name="Picture 2">
+            <a:extLst>
+              <a:ext uri="{FF2B5EF4-FFF2-40B4-BE49-F238E27FC236}">
+                <a16:creationId xmlns:a16="http://schemas.microsoft.com/office/drawing/2014/main" id="{4635B8CD-9846-454E-AD9B-88B984D32FEE}"/>
+              </a:ext>
+            </a:extLst>
+          </p:cNvPr>
+          <p:cNvPicPr>
+            <a:picLocks noChangeAspect="1"/>
+          </p:cNvPicPr>
+          <p:nvPr/>
+        </p:nvPicPr>
+        <p:blipFill>
+          <a:blip r:embed="rId3"/>
+          <a:stretch>
+            <a:fillRect/>
+          </a:stretch>
+        </p:blipFill>
+        <p:spPr>
+          <a:xfrm>
+            <a:off x="2438304" y="3444240"/>
+            <a:ext cx="6538056" cy="3134275"/>
+          </a:xfrm>
+          <a:prstGeom prst="rect">
+            <a:avLst/>
+          </a:prstGeom>
+          <a:ln>
+            <a:solidFill>
+              <a:schemeClr val="tx1">
+                <a:lumMod val="50000"/>
+                <a:lumOff val="50000"/>
+              </a:schemeClr>
+            </a:solidFill>
+          </a:ln>
+        </p:spPr>
+      </p:pic>
+    </p:spTree>
+    <p:extLst>
+      <p:ext uri="{BB962C8B-B14F-4D97-AF65-F5344CB8AC3E}">
+        <p14:creationId xmlns:p14="http://schemas.microsoft.com/office/powerpoint/2010/main" val="3889371407"/>
+      </p:ext>
+    </p:extLst>
+  </p:cSld>
+  <p:clrMapOvr>
+    <a:masterClrMapping/>
+  </p:clrMapOvr>
+</p:sld>
+</file>
+
+<file path=ppt/slides/slide34.xml><?xml version="1.0" encoding="utf-8"?>
+<p:sld xmlns:a="http://schemas.openxmlformats.org/drawingml/2006/main" xmlns:r="http://schemas.openxmlformats.org/officeDocument/2006/relationships" xmlns:p="http://schemas.openxmlformats.org/presentationml/2006/main">
+  <p:cSld>
+    <p:spTree>
+      <p:nvGrpSpPr>
+        <p:cNvPr id="1" name=""/>
+        <p:cNvGrpSpPr/>
+        <p:nvPr/>
+      </p:nvGrpSpPr>
+      <p:grpSpPr>
+        <a:xfrm>
+          <a:off x="0" y="0"/>
+          <a:ext cx="0" cy="0"/>
+          <a:chOff x="0" y="0"/>
+          <a:chExt cx="0" cy="0"/>
+        </a:xfrm>
+      </p:grpSpPr>
+      <p:sp>
+        <p:nvSpPr>
+          <p:cNvPr id="13314" name="Title 1"/>
+          <p:cNvSpPr>
+            <a:spLocks noGrp="1"/>
+          </p:cNvSpPr>
+          <p:nvPr>
+            <p:ph type="title"/>
+          </p:nvPr>
+        </p:nvSpPr>
+        <p:spPr/>
+        <p:txBody>
+          <a:bodyPr/>
+          <a:lstStyle/>
+          <a:p>
+            <a:r>
+              <a:rPr lang="en-US" altLang="en-US" dirty="0"/>
+              <a:t>Summary</a:t>
+            </a:r>
+          </a:p>
+        </p:txBody>
+      </p:sp>
+      <p:sp>
+        <p:nvSpPr>
+          <p:cNvPr id="13315" name="Content Placeholder 2"/>
+          <p:cNvSpPr>
+            <a:spLocks noGrp="1"/>
+          </p:cNvSpPr>
+          <p:nvPr>
+            <p:ph idx="1"/>
+          </p:nvPr>
+        </p:nvSpPr>
+        <p:spPr/>
+        <p:txBody>
+          <a:bodyPr/>
+          <a:lstStyle/>
+          <a:p>
+            <a:pPr>
+              <a:buFont typeface="Wingdings" panose="05000000000000000000" pitchFamily="2" charset="2"/>
+              <a:buChar char="ü"/>
+            </a:pPr>
+            <a:r>
+              <a:rPr lang="en-US" altLang="en-US" dirty="0"/>
+              <a:t>CDS for Apps Web API Overview</a:t>
+            </a:r>
+          </a:p>
+          <a:p>
+            <a:pPr>
+              <a:buFont typeface="Wingdings" panose="05000000000000000000" pitchFamily="2" charset="2"/>
+              <a:buChar char="ü"/>
+            </a:pPr>
+            <a:r>
+              <a:rPr lang="en-US" altLang="en-US" dirty="0"/>
+              <a:t>Authentication with Azure Active Directory</a:t>
+            </a:r>
+          </a:p>
+          <a:p>
+            <a:pPr>
+              <a:buFont typeface="Wingdings" panose="05000000000000000000" pitchFamily="2" charset="2"/>
+              <a:buChar char="ü"/>
+            </a:pPr>
+            <a:r>
+              <a:rPr lang="en-US" altLang="en-US" dirty="0"/>
+              <a:t>Programming the CDS for Apps Web API</a:t>
+            </a:r>
+          </a:p>
+          <a:p>
+            <a:pPr>
+              <a:buFont typeface="Wingdings" panose="05000000000000000000" pitchFamily="2" charset="2"/>
+              <a:buChar char="ü"/>
+            </a:pPr>
+            <a:r>
+              <a:rPr lang="en-US" altLang="en-US" dirty="0"/>
+              <a:t>Authentication in a Web App</a:t>
+            </a:r>
+          </a:p>
+          <a:p>
+            <a:pPr>
+              <a:buFont typeface="Wingdings" panose="05000000000000000000" pitchFamily="2" charset="2"/>
+              <a:buChar char="ü"/>
+            </a:pPr>
+            <a:endParaRPr lang="en-US" altLang="en-US" dirty="0"/>
+          </a:p>
+        </p:txBody>
+      </p:sp>
+    </p:spTree>
+    <p:extLst>
+      <p:ext uri="{BB962C8B-B14F-4D97-AF65-F5344CB8AC3E}">
+        <p14:creationId xmlns:p14="http://schemas.microsoft.com/office/powerpoint/2010/main" val="4038155948"/>
+      </p:ext>
+    </p:extLst>
+  </p:cSld>
+  <p:clrMapOvr>
+    <a:masterClrMapping/>
+  </p:clrMapOvr>
+</p:sld>
+</file>
+
+<file path=ppt/slides/slide4.xml><?xml version="1.0" encoding="utf-8"?>
+<p:sld xmlns:a="http://schemas.openxmlformats.org/drawingml/2006/main" xmlns:r="http://schemas.openxmlformats.org/officeDocument/2006/relationships" xmlns:p="http://schemas.openxmlformats.org/presentationml/2006/main">
+  <p:cSld>
+    <p:spTree>
+      <p:nvGrpSpPr>
+        <p:cNvPr id="1" name=""/>
+        <p:cNvGrpSpPr/>
+        <p:nvPr/>
+      </p:nvGrpSpPr>
+      <p:grpSpPr>
+        <a:xfrm>
+          <a:off x="0" y="0"/>
+          <a:ext cx="0" cy="0"/>
+          <a:chOff x="0" y="0"/>
+          <a:chExt cx="0" cy="0"/>
+        </a:xfrm>
+      </p:grpSpPr>
+      <p:sp>
+        <p:nvSpPr>
+          <p:cNvPr id="13314" name="Title 1"/>
+          <p:cNvSpPr>
+            <a:spLocks noGrp="1"/>
+          </p:cNvSpPr>
+          <p:nvPr>
+            <p:ph type="title"/>
+          </p:nvPr>
+        </p:nvSpPr>
+        <p:spPr/>
+        <p:txBody>
+          <a:bodyPr/>
+          <a:lstStyle/>
+          <a:p>
+            <a:r>
+              <a:rPr lang="en-US" altLang="en-US"/>
+              <a:t>Agenda</a:t>
+            </a:r>
+          </a:p>
+        </p:txBody>
+      </p:sp>
+      <p:sp>
+        <p:nvSpPr>
+          <p:cNvPr id="13315" name="Content Placeholder 2"/>
+          <p:cNvSpPr>
+            <a:spLocks noGrp="1"/>
+          </p:cNvSpPr>
+          <p:nvPr>
+            <p:ph idx="1"/>
+          </p:nvPr>
+        </p:nvSpPr>
+        <p:spPr/>
+        <p:txBody>
+          <a:bodyPr/>
+          <a:lstStyle/>
+          <a:p>
+            <a:r>
+              <a:rPr lang="en-US" altLang="en-US" dirty="0"/>
+              <a:t>CDS for Apps Web API Overview</a:t>
+            </a:r>
+          </a:p>
+          <a:p>
+            <a:r>
+              <a:rPr lang="en-US" altLang="en-US" dirty="0"/>
+              <a:t>Authentication with Azure Active Directory</a:t>
+            </a:r>
+          </a:p>
+          <a:p>
+            <a:r>
+              <a:rPr lang="en-US" altLang="en-US" dirty="0"/>
+              <a:t>Programming the CDS for Apps Web API</a:t>
+            </a:r>
+          </a:p>
+          <a:p>
+            <a:r>
+              <a:rPr lang="en-US" altLang="en-US" dirty="0"/>
+              <a:t>Authentication in a Web App</a:t>
+            </a:r>
+          </a:p>
+          <a:p>
+            <a:endParaRPr lang="en-US" altLang="en-US" dirty="0"/>
+          </a:p>
+        </p:txBody>
+      </p:sp>
+    </p:spTree>
+    <p:extLst>
+      <p:ext uri="{BB962C8B-B14F-4D97-AF65-F5344CB8AC3E}">
+        <p14:creationId xmlns:p14="http://schemas.microsoft.com/office/powerpoint/2010/main" val="271363360"/>
+      </p:ext>
+    </p:extLst>
+  </p:cSld>
+  <p:clrMapOvr>
+    <a:masterClrMapping/>
+  </p:clrMapOvr>
+</p:sld>
+</file>
+
+<file path=ppt/slides/slide5.xml><?xml version="1.0" encoding="utf-8"?>
 <p:sld xmlns:a="http://schemas.openxmlformats.org/drawingml/2006/main" xmlns:r="http://schemas.openxmlformats.org/officeDocument/2006/relationships" xmlns:p="http://schemas.openxmlformats.org/presentationml/2006/main">
   <p:cSld>
     <p:spTree>
@@ -7220,391 +8486,7 @@
 </p:sld>
 </file>
 
-<file path=ppt/slides/slide30.xml><?xml version="1.0" encoding="utf-8"?>
-<p:sld xmlns:a="http://schemas.openxmlformats.org/drawingml/2006/main" xmlns:r="http://schemas.openxmlformats.org/officeDocument/2006/relationships" xmlns:p="http://schemas.openxmlformats.org/presentationml/2006/main">
-  <p:cSld>
-    <p:spTree>
-      <p:nvGrpSpPr>
-        <p:cNvPr id="1" name=""/>
-        <p:cNvGrpSpPr/>
-        <p:nvPr/>
-      </p:nvGrpSpPr>
-      <p:grpSpPr>
-        <a:xfrm>
-          <a:off x="0" y="0"/>
-          <a:ext cx="0" cy="0"/>
-          <a:chOff x="0" y="0"/>
-          <a:chExt cx="0" cy="0"/>
-        </a:xfrm>
-      </p:grpSpPr>
-      <p:sp>
-        <p:nvSpPr>
-          <p:cNvPr id="2" name="Title 1">
-            <a:extLst>
-              <a:ext uri="{FF2B5EF4-FFF2-40B4-BE49-F238E27FC236}">
-                <a16:creationId xmlns:a16="http://schemas.microsoft.com/office/drawing/2014/main" id="{E083A5F8-1895-4CBD-A08A-C27EE704D041}"/>
-              </a:ext>
-            </a:extLst>
-          </p:cNvPr>
-          <p:cNvSpPr>
-            <a:spLocks noGrp="1"/>
-          </p:cNvSpPr>
-          <p:nvPr>
-            <p:ph type="title"/>
-          </p:nvPr>
-        </p:nvSpPr>
-        <p:spPr/>
-        <p:txBody>
-          <a:bodyPr/>
-          <a:lstStyle/>
-          <a:p>
-            <a:r>
-              <a:rPr lang="en-US" dirty="0"/>
-              <a:t>Creating Keys for Application Passwords</a:t>
-            </a:r>
-          </a:p>
-        </p:txBody>
-      </p:sp>
-      <p:sp>
-        <p:nvSpPr>
-          <p:cNvPr id="3" name="Content Placeholder 2">
-            <a:extLst>
-              <a:ext uri="{FF2B5EF4-FFF2-40B4-BE49-F238E27FC236}">
-                <a16:creationId xmlns:a16="http://schemas.microsoft.com/office/drawing/2014/main" id="{98E21C6E-44AB-4735-8003-4D7311FCAB80}"/>
-              </a:ext>
-            </a:extLst>
-          </p:cNvPr>
-          <p:cNvSpPr>
-            <a:spLocks noGrp="1"/>
-          </p:cNvSpPr>
-          <p:nvPr>
-            <p:ph idx="1"/>
-          </p:nvPr>
-        </p:nvSpPr>
-        <p:spPr/>
-        <p:txBody>
-          <a:bodyPr/>
-          <a:lstStyle/>
-          <a:p>
-            <a:r>
-              <a:rPr lang="en-US" dirty="0"/>
-              <a:t>Web applications authenticate using keys</a:t>
-            </a:r>
-          </a:p>
-          <a:p>
-            <a:pPr lvl="1"/>
-            <a:r>
-              <a:rPr lang="en-US" dirty="0"/>
-              <a:t>Key acts as application-level password</a:t>
-            </a:r>
-          </a:p>
-          <a:p>
-            <a:pPr lvl="1"/>
-            <a:r>
-              <a:rPr lang="en-US" dirty="0"/>
-              <a:t>Application requires copy of key value</a:t>
-            </a:r>
-          </a:p>
-        </p:txBody>
-      </p:sp>
-      <p:pic>
-        <p:nvPicPr>
-          <p:cNvPr id="4" name="Picture 3">
-            <a:extLst>
-              <a:ext uri="{FF2B5EF4-FFF2-40B4-BE49-F238E27FC236}">
-                <a16:creationId xmlns:a16="http://schemas.microsoft.com/office/drawing/2014/main" id="{820443E8-68D0-4EFA-A175-71F062467E3B}"/>
-              </a:ext>
-            </a:extLst>
-          </p:cNvPr>
-          <p:cNvPicPr>
-            <a:picLocks noChangeAspect="1"/>
-          </p:cNvPicPr>
-          <p:nvPr/>
-        </p:nvPicPr>
-        <p:blipFill>
-          <a:blip r:embed="rId2"/>
-          <a:stretch>
-            <a:fillRect/>
-          </a:stretch>
-        </p:blipFill>
-        <p:spPr>
-          <a:xfrm>
-            <a:off x="381000" y="3200400"/>
-            <a:ext cx="8321360" cy="2590800"/>
-          </a:xfrm>
-          <a:prstGeom prst="rect">
-            <a:avLst/>
-          </a:prstGeom>
-          <a:ln>
-            <a:solidFill>
-              <a:schemeClr val="tx1">
-                <a:lumMod val="50000"/>
-                <a:lumOff val="50000"/>
-              </a:schemeClr>
-            </a:solidFill>
-          </a:ln>
-        </p:spPr>
-      </p:pic>
-    </p:spTree>
-    <p:extLst>
-      <p:ext uri="{BB962C8B-B14F-4D97-AF65-F5344CB8AC3E}">
-        <p14:creationId xmlns:p14="http://schemas.microsoft.com/office/powerpoint/2010/main" val="2641044642"/>
-      </p:ext>
-    </p:extLst>
-  </p:cSld>
-  <p:clrMapOvr>
-    <a:masterClrMapping/>
-  </p:clrMapOvr>
-</p:sld>
-</file>
-
-<file path=ppt/slides/slide31.xml><?xml version="1.0" encoding="utf-8"?>
-<p:sld xmlns:a="http://schemas.openxmlformats.org/drawingml/2006/main" xmlns:r="http://schemas.openxmlformats.org/officeDocument/2006/relationships" xmlns:p="http://schemas.openxmlformats.org/presentationml/2006/main">
-  <p:cSld>
-    <p:spTree>
-      <p:nvGrpSpPr>
-        <p:cNvPr id="1" name=""/>
-        <p:cNvGrpSpPr/>
-        <p:nvPr/>
-      </p:nvGrpSpPr>
-      <p:grpSpPr>
-        <a:xfrm>
-          <a:off x="0" y="0"/>
-          <a:ext cx="0" cy="0"/>
-          <a:chOff x="0" y="0"/>
-          <a:chExt cx="0" cy="0"/>
-        </a:xfrm>
-      </p:grpSpPr>
-      <p:sp>
-        <p:nvSpPr>
-          <p:cNvPr id="2" name="Title 1">
-            <a:extLst>
-              <a:ext uri="{FF2B5EF4-FFF2-40B4-BE49-F238E27FC236}">
-                <a16:creationId xmlns:a16="http://schemas.microsoft.com/office/drawing/2014/main" id="{A13966B1-F43C-4234-9D3B-EFE19002ED97}"/>
-              </a:ext>
-            </a:extLst>
-          </p:cNvPr>
-          <p:cNvSpPr>
-            <a:spLocks noGrp="1"/>
-          </p:cNvSpPr>
-          <p:nvPr>
-            <p:ph type="title"/>
-          </p:nvPr>
-        </p:nvSpPr>
-        <p:spPr/>
-        <p:txBody>
-          <a:bodyPr/>
-          <a:lstStyle/>
-          <a:p>
-            <a:r>
-              <a:rPr lang="en-US" dirty="0"/>
-              <a:t>Demo Time</a:t>
-            </a:r>
-          </a:p>
-        </p:txBody>
-      </p:sp>
-      <p:pic>
-        <p:nvPicPr>
-          <p:cNvPr id="4" name="Picture 3">
-            <a:extLst>
-              <a:ext uri="{FF2B5EF4-FFF2-40B4-BE49-F238E27FC236}">
-                <a16:creationId xmlns:a16="http://schemas.microsoft.com/office/drawing/2014/main" id="{1D0A58DB-ED7B-4010-805E-DC65AA641659}"/>
-              </a:ext>
-            </a:extLst>
-          </p:cNvPr>
-          <p:cNvPicPr>
-            <a:picLocks noChangeAspect="1"/>
-          </p:cNvPicPr>
-          <p:nvPr/>
-        </p:nvPicPr>
-        <p:blipFill>
-          <a:blip r:embed="rId2"/>
-          <a:stretch>
-            <a:fillRect/>
-          </a:stretch>
-        </p:blipFill>
-        <p:spPr>
-          <a:xfrm>
-            <a:off x="167640" y="1219199"/>
-            <a:ext cx="2880360" cy="3876883"/>
-          </a:xfrm>
-          <a:prstGeom prst="rect">
-            <a:avLst/>
-          </a:prstGeom>
-          <a:ln>
-            <a:solidFill>
-              <a:schemeClr val="tx1"/>
-            </a:solidFill>
-          </a:ln>
-        </p:spPr>
-      </p:pic>
-      <p:pic>
-        <p:nvPicPr>
-          <p:cNvPr id="3" name="Picture 2">
-            <a:extLst>
-              <a:ext uri="{FF2B5EF4-FFF2-40B4-BE49-F238E27FC236}">
-                <a16:creationId xmlns:a16="http://schemas.microsoft.com/office/drawing/2014/main" id="{4635B8CD-9846-454E-AD9B-88B984D32FEE}"/>
-              </a:ext>
-            </a:extLst>
-          </p:cNvPr>
-          <p:cNvPicPr>
-            <a:picLocks noChangeAspect="1"/>
-          </p:cNvPicPr>
-          <p:nvPr/>
-        </p:nvPicPr>
-        <p:blipFill>
-          <a:blip r:embed="rId3"/>
-          <a:stretch>
-            <a:fillRect/>
-          </a:stretch>
-        </p:blipFill>
-        <p:spPr>
-          <a:xfrm>
-            <a:off x="2438304" y="3444240"/>
-            <a:ext cx="6538056" cy="3134275"/>
-          </a:xfrm>
-          <a:prstGeom prst="rect">
-            <a:avLst/>
-          </a:prstGeom>
-          <a:ln>
-            <a:solidFill>
-              <a:schemeClr val="tx1">
-                <a:lumMod val="50000"/>
-                <a:lumOff val="50000"/>
-              </a:schemeClr>
-            </a:solidFill>
-          </a:ln>
-        </p:spPr>
-      </p:pic>
-    </p:spTree>
-    <p:extLst>
-      <p:ext uri="{BB962C8B-B14F-4D97-AF65-F5344CB8AC3E}">
-        <p14:creationId xmlns:p14="http://schemas.microsoft.com/office/powerpoint/2010/main" val="3889371407"/>
-      </p:ext>
-    </p:extLst>
-  </p:cSld>
-  <p:clrMapOvr>
-    <a:masterClrMapping/>
-  </p:clrMapOvr>
-</p:sld>
-</file>
-
-<file path=ppt/slides/slide32.xml><?xml version="1.0" encoding="utf-8"?>
-<p:sld xmlns:a="http://schemas.openxmlformats.org/drawingml/2006/main" xmlns:r="http://schemas.openxmlformats.org/officeDocument/2006/relationships" xmlns:p="http://schemas.openxmlformats.org/presentationml/2006/main">
-  <p:cSld>
-    <p:spTree>
-      <p:nvGrpSpPr>
-        <p:cNvPr id="1" name=""/>
-        <p:cNvGrpSpPr/>
-        <p:nvPr/>
-      </p:nvGrpSpPr>
-      <p:grpSpPr>
-        <a:xfrm>
-          <a:off x="0" y="0"/>
-          <a:ext cx="0" cy="0"/>
-          <a:chOff x="0" y="0"/>
-          <a:chExt cx="0" cy="0"/>
-        </a:xfrm>
-      </p:grpSpPr>
-      <p:sp>
-        <p:nvSpPr>
-          <p:cNvPr id="13314" name="Title 1"/>
-          <p:cNvSpPr>
-            <a:spLocks noGrp="1"/>
-          </p:cNvSpPr>
-          <p:nvPr>
-            <p:ph type="title"/>
-          </p:nvPr>
-        </p:nvSpPr>
-        <p:spPr/>
-        <p:txBody>
-          <a:bodyPr/>
-          <a:lstStyle/>
-          <a:p>
-            <a:r>
-              <a:rPr lang="en-US" altLang="en-US" dirty="0"/>
-              <a:t>Summary</a:t>
-            </a:r>
-          </a:p>
-        </p:txBody>
-      </p:sp>
-      <p:sp>
-        <p:nvSpPr>
-          <p:cNvPr id="13315" name="Content Placeholder 2"/>
-          <p:cNvSpPr>
-            <a:spLocks noGrp="1"/>
-          </p:cNvSpPr>
-          <p:nvPr>
-            <p:ph idx="1"/>
-          </p:nvPr>
-        </p:nvSpPr>
-        <p:spPr/>
-        <p:txBody>
-          <a:bodyPr/>
-          <a:lstStyle/>
-          <a:p>
-            <a:pPr>
-              <a:buFont typeface="Wingdings" panose="05000000000000000000" pitchFamily="2" charset="2"/>
-              <a:buChar char="ü"/>
-            </a:pPr>
-            <a:r>
-              <a:rPr lang="en-US" altLang="en-US" dirty="0"/>
-              <a:t>CDS for Apps Web API Overview</a:t>
-            </a:r>
-          </a:p>
-          <a:p>
-            <a:pPr>
-              <a:buFont typeface="Wingdings" panose="05000000000000000000" pitchFamily="2" charset="2"/>
-              <a:buChar char="ü"/>
-            </a:pPr>
-            <a:r>
-              <a:rPr lang="en-US" altLang="en-US" dirty="0"/>
-              <a:t>Authentication with Azure Active Directory</a:t>
-            </a:r>
-          </a:p>
-          <a:p>
-            <a:pPr>
-              <a:buFont typeface="Wingdings" panose="05000000000000000000" pitchFamily="2" charset="2"/>
-              <a:buChar char="ü"/>
-            </a:pPr>
-            <a:r>
-              <a:rPr lang="en-US" altLang="en-US" dirty="0"/>
-              <a:t>Programming the CDS for Apps Web API</a:t>
-            </a:r>
-          </a:p>
-          <a:p>
-            <a:pPr>
-              <a:buFont typeface="Wingdings" panose="05000000000000000000" pitchFamily="2" charset="2"/>
-              <a:buChar char="ü"/>
-            </a:pPr>
-            <a:r>
-              <a:rPr lang="en-US" altLang="en-US" dirty="0"/>
-              <a:t>Authentication in a Web App</a:t>
-            </a:r>
-          </a:p>
-          <a:p>
-            <a:pPr>
-              <a:buFont typeface="Wingdings" panose="05000000000000000000" pitchFamily="2" charset="2"/>
-              <a:buChar char="ü"/>
-            </a:pPr>
-            <a:endParaRPr lang="en-US" altLang="en-US" dirty="0"/>
-          </a:p>
-        </p:txBody>
-      </p:sp>
-    </p:spTree>
-    <p:extLst>
-      <p:ext uri="{BB962C8B-B14F-4D97-AF65-F5344CB8AC3E}">
-        <p14:creationId xmlns:p14="http://schemas.microsoft.com/office/powerpoint/2010/main" val="4038155948"/>
-      </p:ext>
-    </p:extLst>
-  </p:cSld>
-  <p:clrMapOvr>
-    <a:masterClrMapping/>
-  </p:clrMapOvr>
-</p:sld>
-</file>
-
-<file path=ppt/slides/slide4.xml><?xml version="1.0" encoding="utf-8"?>
+<file path=ppt/slides/slide6.xml><?xml version="1.0" encoding="utf-8"?>
 <p:sld xmlns:a="http://schemas.openxmlformats.org/drawingml/2006/main" xmlns:r="http://schemas.openxmlformats.org/officeDocument/2006/relationships" xmlns:p="http://schemas.openxmlformats.org/presentationml/2006/main">
   <p:cSld>
     <p:spTree>
@@ -7958,7 +8840,7 @@
 </p:sld>
 </file>
 
-<file path=ppt/slides/slide5.xml><?xml version="1.0" encoding="utf-8"?>
+<file path=ppt/slides/slide7.xml><?xml version="1.0" encoding="utf-8"?>
 <p:sld xmlns:a="http://schemas.openxmlformats.org/drawingml/2006/main" xmlns:r="http://schemas.openxmlformats.org/officeDocument/2006/relationships" xmlns:p="http://schemas.openxmlformats.org/presentationml/2006/main">
   <p:cSld>
     <p:spTree>
@@ -8061,7 +8943,7 @@
 </p:sld>
 </file>
 
-<file path=ppt/slides/slide6.xml><?xml version="1.0" encoding="utf-8"?>
+<file path=ppt/slides/slide8.xml><?xml version="1.0" encoding="utf-8"?>
 <p:sld xmlns:a="http://schemas.openxmlformats.org/drawingml/2006/main" xmlns:r="http://schemas.openxmlformats.org/officeDocument/2006/relationships" xmlns:p="http://schemas.openxmlformats.org/presentationml/2006/main">
   <p:cSld>
     <p:spTree>
@@ -8999,7 +9881,7 @@
 </p:sld>
 </file>
 
-<file path=ppt/slides/slide7.xml><?xml version="1.0" encoding="utf-8"?>
+<file path=ppt/slides/slide9.xml><?xml version="1.0" encoding="utf-8"?>
 <p:sld xmlns:a="http://schemas.openxmlformats.org/drawingml/2006/main" xmlns:r="http://schemas.openxmlformats.org/officeDocument/2006/relationships" xmlns:p="http://schemas.openxmlformats.org/presentationml/2006/main">
   <p:cSld>
     <p:spTree>
@@ -9112,373 +9994,6 @@
     <p:extLst>
       <p:ext uri="{BB962C8B-B14F-4D97-AF65-F5344CB8AC3E}">
         <p14:creationId xmlns:p14="http://schemas.microsoft.com/office/powerpoint/2010/main" val="3877269938"/>
-      </p:ext>
-    </p:extLst>
-  </p:cSld>
-  <p:clrMapOvr>
-    <a:masterClrMapping/>
-  </p:clrMapOvr>
-</p:sld>
-</file>
-
-<file path=ppt/slides/slide8.xml><?xml version="1.0" encoding="utf-8"?>
-<p:sld xmlns:a="http://schemas.openxmlformats.org/drawingml/2006/main" xmlns:r="http://schemas.openxmlformats.org/officeDocument/2006/relationships" xmlns:p="http://schemas.openxmlformats.org/presentationml/2006/main">
-  <p:cSld>
-    <p:spTree>
-      <p:nvGrpSpPr>
-        <p:cNvPr id="1" name=""/>
-        <p:cNvGrpSpPr/>
-        <p:nvPr/>
-      </p:nvGrpSpPr>
-      <p:grpSpPr>
-        <a:xfrm>
-          <a:off x="0" y="0"/>
-          <a:ext cx="0" cy="0"/>
-          <a:chOff x="0" y="0"/>
-          <a:chExt cx="0" cy="0"/>
-        </a:xfrm>
-      </p:grpSpPr>
-      <p:sp>
-        <p:nvSpPr>
-          <p:cNvPr id="29698" name="Title 1"/>
-          <p:cNvSpPr>
-            <a:spLocks noGrp="1"/>
-          </p:cNvSpPr>
-          <p:nvPr>
-            <p:ph type="title"/>
-          </p:nvPr>
-        </p:nvSpPr>
-        <p:spPr/>
-        <p:txBody>
-          <a:bodyPr/>
-          <a:lstStyle/>
-          <a:p>
-            <a:r>
-              <a:rPr lang="en-US" altLang="en-US"/>
-              <a:t>Authentication Flows</a:t>
-            </a:r>
-          </a:p>
-        </p:txBody>
-      </p:sp>
-      <p:sp>
-        <p:nvSpPr>
-          <p:cNvPr id="3" name="Content Placeholder 2"/>
-          <p:cNvSpPr>
-            <a:spLocks noGrp="1"/>
-          </p:cNvSpPr>
-          <p:nvPr>
-            <p:ph idx="1"/>
-          </p:nvPr>
-        </p:nvSpPr>
-        <p:spPr/>
-        <p:txBody>
-          <a:bodyPr>
-            <a:noAutofit/>
-          </a:bodyPr>
-          <a:lstStyle/>
-          <a:p>
-            <a:pPr>
-              <a:defRPr/>
-            </a:pPr>
-            <a:r>
-              <a:rPr lang="en-US" sz="2000" dirty="0"/>
-              <a:t>Authorization Code Grant Flow</a:t>
-            </a:r>
-            <a:r>
-              <a:rPr lang="en-US" sz="1600" dirty="0"/>
-              <a:t> </a:t>
-            </a:r>
-            <a:r>
-              <a:rPr lang="en-US" sz="1600" i="1" dirty="0">
-                <a:solidFill>
-                  <a:srgbClr val="C00000"/>
-                </a:solidFill>
-              </a:rPr>
-              <a:t>(confidential client)</a:t>
-            </a:r>
-            <a:endParaRPr lang="en-US" sz="1600" dirty="0"/>
-          </a:p>
-          <a:p>
-            <a:pPr lvl="1">
-              <a:defRPr/>
-            </a:pPr>
-            <a:r>
-              <a:rPr lang="en-US" sz="1800" dirty="0"/>
-              <a:t>Client first obtains authorization code then access token</a:t>
-            </a:r>
-          </a:p>
-          <a:p>
-            <a:pPr lvl="1">
-              <a:defRPr/>
-            </a:pPr>
-            <a:r>
-              <a:rPr lang="en-US" sz="1800" dirty="0"/>
-              <a:t>Server-side application code never sees user’s password</a:t>
-            </a:r>
-            <a:br>
-              <a:rPr lang="en-US" sz="1800" dirty="0"/>
-            </a:br>
-            <a:endParaRPr lang="en-US" sz="500" dirty="0"/>
-          </a:p>
-          <a:p>
-            <a:pPr>
-              <a:defRPr/>
-            </a:pPr>
-            <a:r>
-              <a:rPr lang="en-US" sz="2000" dirty="0"/>
-              <a:t>Implicit Grant Flow</a:t>
-            </a:r>
-            <a:r>
-              <a:rPr lang="en-US" sz="1600" dirty="0"/>
-              <a:t> </a:t>
-            </a:r>
-            <a:r>
-              <a:rPr lang="en-US" sz="1600" i="1" dirty="0">
-                <a:solidFill>
-                  <a:srgbClr val="C00000"/>
-                </a:solidFill>
-              </a:rPr>
-              <a:t>(public client)</a:t>
-            </a:r>
-            <a:endParaRPr lang="en-US" sz="1600" dirty="0"/>
-          </a:p>
-          <a:p>
-            <a:pPr lvl="1">
-              <a:defRPr/>
-            </a:pPr>
-            <a:r>
-              <a:rPr lang="en-US" sz="1800" dirty="0"/>
-              <a:t>Used in SPAs built with JavaScript and AngularJS</a:t>
-            </a:r>
-          </a:p>
-          <a:p>
-            <a:pPr lvl="1">
-              <a:defRPr/>
-            </a:pPr>
-            <a:r>
-              <a:rPr lang="en-US" sz="1800" dirty="0"/>
-              <a:t>Application obtains access token w/o acquiring authorization code</a:t>
-            </a:r>
-            <a:br>
-              <a:rPr lang="en-US" sz="1800" dirty="0"/>
-            </a:br>
-            <a:endParaRPr lang="en-US" sz="500" dirty="0"/>
-          </a:p>
-          <a:p>
-            <a:pPr>
-              <a:defRPr/>
-            </a:pPr>
-            <a:r>
-              <a:rPr lang="en-US" sz="2000" dirty="0"/>
-              <a:t>User Credentials Flow</a:t>
-            </a:r>
-            <a:r>
-              <a:rPr lang="en-US" sz="1400" dirty="0"/>
-              <a:t> </a:t>
-            </a:r>
-            <a:r>
-              <a:rPr lang="en-US" sz="1400" i="1" dirty="0">
-                <a:solidFill>
-                  <a:srgbClr val="C00000"/>
-                </a:solidFill>
-              </a:rPr>
-              <a:t>(public client)</a:t>
-            </a:r>
-          </a:p>
-          <a:p>
-            <a:pPr lvl="1">
-              <a:defRPr/>
-            </a:pPr>
-            <a:r>
-              <a:rPr lang="en-US" sz="1800" dirty="0"/>
-              <a:t>Used in Native clients to obtain access code </a:t>
-            </a:r>
-          </a:p>
-          <a:p>
-            <a:pPr lvl="1">
-              <a:defRPr/>
-            </a:pPr>
-            <a:r>
-              <a:rPr lang="en-US" sz="1800" dirty="0"/>
-              <a:t>Requires passing user name and password</a:t>
-            </a:r>
-            <a:br>
-              <a:rPr lang="en-US" sz="1800" dirty="0"/>
-            </a:br>
-            <a:endParaRPr lang="en-US" sz="500" dirty="0"/>
-          </a:p>
-          <a:p>
-            <a:pPr>
-              <a:defRPr/>
-            </a:pPr>
-            <a:r>
-              <a:rPr lang="en-US" sz="2000" dirty="0"/>
-              <a:t>Client Credentials Grant Flow</a:t>
-            </a:r>
-            <a:r>
-              <a:rPr lang="en-US" sz="1600" dirty="0"/>
-              <a:t> </a:t>
-            </a:r>
-            <a:r>
-              <a:rPr lang="en-US" sz="1600" i="1" dirty="0">
-                <a:solidFill>
-                  <a:srgbClr val="C00000"/>
-                </a:solidFill>
-              </a:rPr>
-              <a:t>(confidential client)</a:t>
-            </a:r>
-            <a:endParaRPr lang="en-US" sz="2000" dirty="0"/>
-          </a:p>
-          <a:p>
-            <a:pPr lvl="1">
-              <a:defRPr/>
-            </a:pPr>
-            <a:r>
-              <a:rPr lang="en-US" sz="1800" dirty="0"/>
-              <a:t>Authentication based on SSL certificate with public-private key pair</a:t>
-            </a:r>
-          </a:p>
-          <a:p>
-            <a:pPr lvl="1">
-              <a:defRPr/>
-            </a:pPr>
-            <a:r>
-              <a:rPr lang="en-US" sz="1800" dirty="0"/>
-              <a:t>Used to obtain access token when using app-only permissions </a:t>
-            </a:r>
-            <a:endParaRPr lang="en-US" sz="2000" dirty="0"/>
-          </a:p>
-          <a:p>
-            <a:pPr>
-              <a:defRPr/>
-            </a:pPr>
-            <a:endParaRPr lang="en-US" sz="2000" b="1" dirty="0"/>
-          </a:p>
-        </p:txBody>
-      </p:sp>
-    </p:spTree>
-    <p:extLst>
-      <p:ext uri="{BB962C8B-B14F-4D97-AF65-F5344CB8AC3E}">
-        <p14:creationId xmlns:p14="http://schemas.microsoft.com/office/powerpoint/2010/main" val="104608098"/>
-      </p:ext>
-    </p:extLst>
-  </p:cSld>
-  <p:clrMapOvr>
-    <a:masterClrMapping/>
-  </p:clrMapOvr>
-</p:sld>
-</file>
-
-<file path=ppt/slides/slide9.xml><?xml version="1.0" encoding="utf-8"?>
-<p:sld xmlns:a="http://schemas.openxmlformats.org/drawingml/2006/main" xmlns:r="http://schemas.openxmlformats.org/officeDocument/2006/relationships" xmlns:p="http://schemas.openxmlformats.org/presentationml/2006/main">
-  <p:cSld>
-    <p:spTree>
-      <p:nvGrpSpPr>
-        <p:cNvPr id="1" name=""/>
-        <p:cNvGrpSpPr/>
-        <p:nvPr/>
-      </p:nvGrpSpPr>
-      <p:grpSpPr>
-        <a:xfrm>
-          <a:off x="0" y="0"/>
-          <a:ext cx="0" cy="0"/>
-          <a:chOff x="0" y="0"/>
-          <a:chExt cx="0" cy="0"/>
-        </a:xfrm>
-      </p:grpSpPr>
-      <p:sp>
-        <p:nvSpPr>
-          <p:cNvPr id="33794" name="Title 1"/>
-          <p:cNvSpPr>
-            <a:spLocks noGrp="1"/>
-          </p:cNvSpPr>
-          <p:nvPr>
-            <p:ph type="title"/>
-          </p:nvPr>
-        </p:nvSpPr>
-        <p:spPr/>
-        <p:txBody>
-          <a:bodyPr/>
-          <a:lstStyle/>
-          <a:p>
-            <a:r>
-              <a:rPr lang="en-US" altLang="en-US"/>
-              <a:t>Azure Active Directory (AAD)</a:t>
-            </a:r>
-          </a:p>
-        </p:txBody>
-      </p:sp>
-      <p:sp>
-        <p:nvSpPr>
-          <p:cNvPr id="3" name="Content Placeholder 2"/>
-          <p:cNvSpPr>
-            <a:spLocks noGrp="1"/>
-          </p:cNvSpPr>
-          <p:nvPr>
-            <p:ph idx="1"/>
-          </p:nvPr>
-        </p:nvSpPr>
-        <p:spPr/>
-        <p:txBody>
-          <a:bodyPr/>
-          <a:lstStyle/>
-          <a:p>
-            <a:r>
-              <a:rPr lang="en-US" dirty="0"/>
-              <a:t>AAD plays role of an OpenID Connect Provider</a:t>
-            </a:r>
-          </a:p>
-          <a:p>
-            <a:pPr lvl="1"/>
-            <a:r>
-              <a:rPr lang="en-US" dirty="0"/>
-              <a:t>Creates access tokens based on OAuth 2.0</a:t>
-            </a:r>
-          </a:p>
-          <a:p>
-            <a:pPr lvl="1"/>
-            <a:r>
-              <a:rPr lang="en-US" dirty="0"/>
-              <a:t>Creates id tokens based on OpenID Connect 1.0</a:t>
-            </a:r>
-          </a:p>
-          <a:p>
-            <a:pPr lvl="1"/>
-            <a:endParaRPr lang="en-US" dirty="0"/>
-          </a:p>
-          <a:p>
-            <a:r>
-              <a:rPr lang="en-US" dirty="0"/>
-              <a:t>AAD provides authentication &amp; authorization for…</a:t>
-            </a:r>
-          </a:p>
-          <a:p>
-            <a:pPr lvl="1"/>
-            <a:r>
-              <a:rPr lang="en-US" dirty="0"/>
-              <a:t>Office 365, Dynamics 365 and SharePoint Online</a:t>
-            </a:r>
-          </a:p>
-          <a:p>
-            <a:pPr lvl="1"/>
-            <a:r>
-              <a:rPr lang="en-US" dirty="0"/>
-              <a:t>Power BI Service API and Microsoft Graph API</a:t>
-            </a:r>
-          </a:p>
-          <a:p>
-            <a:pPr lvl="1"/>
-            <a:r>
-              <a:rPr lang="en-US" dirty="0"/>
-              <a:t>Custom Web Applications and Web Services</a:t>
-            </a:r>
-          </a:p>
-        </p:txBody>
-      </p:sp>
-    </p:spTree>
-    <p:extLst>
-      <p:ext uri="{BB962C8B-B14F-4D97-AF65-F5344CB8AC3E}">
-        <p14:creationId xmlns:p14="http://schemas.microsoft.com/office/powerpoint/2010/main" val="5194245"/>
       </p:ext>
     </p:extLst>
   </p:cSld>
@@ -10468,6 +10983,21 @@
 </file>
 
 <file path=customXml/item2.xml><?xml version="1.0" encoding="utf-8"?>
+<?mso-contentType ?>
+<FormTemplates xmlns="http://schemas.microsoft.com/sharepoint/v3/contenttype/forms">
+  <Display>DocumentLibraryForm</Display>
+  <Edit>DocumentLibraryForm</Edit>
+  <New>DocumentLibraryForm</New>
+</FormTemplates>
+</file>
+
+<file path=customXml/item3.xml><?xml version="1.0" encoding="utf-8"?>
+<p:properties xmlns:p="http://schemas.microsoft.com/office/2006/metadata/properties" xmlns:xsi="http://www.w3.org/2001/XMLSchema-instance">
+  <documentManagement/>
+</p:properties>
+</file>
+
+<file path=customXml/item4.xml><?xml version="1.0" encoding="utf-8"?>
 <ct:contentTypeSchema xmlns:ct="http://schemas.microsoft.com/office/2006/metadata/contentType" xmlns:ma="http://schemas.microsoft.com/office/2006/metadata/properties/metaAttributes" ct:_="" ma:_="" ma:contentTypeName="Document" ma:contentTypeID="0x01010043F7775CCE86F349BB7C51FB3CE6B150" ma:contentTypeVersion="0" ma:contentTypeDescription="Create a new document." ma:contentTypeScope="" ma:versionID="bb563817a2861b6b5994bd26a2ba9e40">
   <xsd:schema xmlns:xsd="http://www.w3.org/2001/XMLSchema" xmlns:xs="http://www.w3.org/2001/XMLSchema" xmlns:p="http://schemas.microsoft.com/office/2006/metadata/properties" targetNamespace="http://schemas.microsoft.com/office/2006/metadata/properties" ma:root="true" ma:fieldsID="c64490b4aec6201516c3a874156f37b2">
     <xsd:element name="properties">
@@ -10581,21 +11111,6 @@
 </ct:contentTypeSchema>
 </file>
 
-<file path=customXml/item3.xml><?xml version="1.0" encoding="utf-8"?>
-<p:properties xmlns:p="http://schemas.microsoft.com/office/2006/metadata/properties" xmlns:xsi="http://www.w3.org/2001/XMLSchema-instance">
-  <documentManagement/>
-</p:properties>
-</file>
-
-<file path=customXml/item4.xml><?xml version="1.0" encoding="utf-8"?>
-<?mso-contentType ?>
-<FormTemplates xmlns="http://schemas.microsoft.com/sharepoint/v3/contenttype/forms">
-  <Display>DocumentLibraryForm</Display>
-  <Edit>DocumentLibraryForm</Edit>
-  <New>DocumentLibraryForm</New>
-</FormTemplates>
-</file>
-
 <file path=customXml/itemProps1.xml><?xml version="1.0" encoding="utf-8"?>
 <ds:datastoreItem xmlns:ds="http://schemas.openxmlformats.org/officeDocument/2006/customXml" ds:itemID="{8865FC99-B6BD-4E98-8312-F4F432C217EA}">
   <ds:schemaRefs>
@@ -10605,6 +11120,29 @@
 </file>
 
 <file path=customXml/itemProps2.xml><?xml version="1.0" encoding="utf-8"?>
+<ds:datastoreItem xmlns:ds="http://schemas.openxmlformats.org/officeDocument/2006/customXml" ds:itemID="{6034B84F-8F8E-48B7-9EFF-C7DE1A66BD73}">
+  <ds:schemaRefs>
+    <ds:schemaRef ds:uri="http://schemas.microsoft.com/sharepoint/v3/contenttype/forms"/>
+  </ds:schemaRefs>
+</ds:datastoreItem>
+</file>
+
+<file path=customXml/itemProps3.xml><?xml version="1.0" encoding="utf-8"?>
+<ds:datastoreItem xmlns:ds="http://schemas.openxmlformats.org/officeDocument/2006/customXml" ds:itemID="{A5547237-B119-45CA-BEFC-A2DA2BDB03E7}">
+  <ds:schemaRefs>
+    <ds:schemaRef ds:uri="http://www.w3.org/XML/1998/namespace"/>
+    <ds:schemaRef ds:uri="http://purl.org/dc/dcmitype/"/>
+    <ds:schemaRef ds:uri="http://schemas.microsoft.com/office/2006/metadata/properties"/>
+    <ds:schemaRef ds:uri="http://schemas.microsoft.com/office/2006/documentManagement/types"/>
+    <ds:schemaRef ds:uri="http://purl.org/dc/terms/"/>
+    <ds:schemaRef ds:uri="http://schemas.openxmlformats.org/package/2006/metadata/core-properties"/>
+    <ds:schemaRef ds:uri="http://schemas.microsoft.com/office/infopath/2007/PartnerControls"/>
+    <ds:schemaRef ds:uri="http://purl.org/dc/elements/1.1/"/>
+  </ds:schemaRefs>
+</ds:datastoreItem>
+</file>
+
+<file path=customXml/itemProps4.xml><?xml version="1.0" encoding="utf-8"?>
 <ds:datastoreItem xmlns:ds="http://schemas.openxmlformats.org/officeDocument/2006/customXml" ds:itemID="{63F8C001-70B3-4AE4-BEC2-202AE4E30C7A}">
   <ds:schemaRefs>
     <ds:schemaRef ds:uri="http://schemas.microsoft.com/office/2006/metadata/contentType"/>
@@ -10618,27 +11156,4 @@
     <ds:schemaRef ds:uri="http://schemas.microsoft.com/office/infopath/2007/PartnerControls"/>
   </ds:schemaRefs>
 </ds:datastoreItem>
-</file>
-
-<file path=customXml/itemProps3.xml><?xml version="1.0" encoding="utf-8"?>
-<ds:datastoreItem xmlns:ds="http://schemas.openxmlformats.org/officeDocument/2006/customXml" ds:itemID="{A5547237-B119-45CA-BEFC-A2DA2BDB03E7}">
-  <ds:schemaRefs>
-    <ds:schemaRef ds:uri="http://schemas.microsoft.com/office/2006/documentManagement/types"/>
-    <ds:schemaRef ds:uri="http://purl.org/dc/elements/1.1/"/>
-    <ds:schemaRef ds:uri="http://schemas.microsoft.com/office/infopath/2007/PartnerControls"/>
-    <ds:schemaRef ds:uri="http://purl.org/dc/dcmitype/"/>
-    <ds:schemaRef ds:uri="http://schemas.openxmlformats.org/package/2006/metadata/core-properties"/>
-    <ds:schemaRef ds:uri="http://www.w3.org/XML/1998/namespace"/>
-    <ds:schemaRef ds:uri="http://purl.org/dc/terms/"/>
-    <ds:schemaRef ds:uri="http://schemas.microsoft.com/office/2006/metadata/properties"/>
-  </ds:schemaRefs>
-</ds:datastoreItem>
-</file>
-
-<file path=customXml/itemProps4.xml><?xml version="1.0" encoding="utf-8"?>
-<ds:datastoreItem xmlns:ds="http://schemas.openxmlformats.org/officeDocument/2006/customXml" ds:itemID="{6034B84F-8F8E-48B7-9EFF-C7DE1A66BD73}">
-  <ds:schemaRefs>
-    <ds:schemaRef ds:uri="http://schemas.microsoft.com/sharepoint/v3/contenttype/forms"/>
-  </ds:schemaRefs>
-</ds:datastoreItem>
 </file>